--- a/Vorstellung.pptx
+++ b/Vorstellung.pptx
@@ -165,7 +165,7 @@
           <a:noFill/>
           <a:extLst>
             <a:ext uri="{909E8E84-426E-40dd-AFC4-6F175D3DCCD1}">
-              <a14:hiddenFill xmlns="" xmlns:a14="http://schemas.microsoft.com/office/drawing/2010/main">
+              <a14:hiddenFill xmlns:a14="http://schemas.microsoft.com/office/drawing/2010/main" xmlns="">
                 <a:solidFill>
                   <a:srgbClr val="FFFFFF"/>
                 </a:solidFill>
@@ -225,7 +225,7 @@
             </a:ln>
             <a:extLst>
               <a:ext uri="{91240B29-F687-4f45-9708-019B960494DF}">
-                <a14:hiddenLine xmlns="" xmlns:a14="http://schemas.microsoft.com/office/drawing/2010/main" w="9525">
+                <a14:hiddenLine xmlns:a14="http://schemas.microsoft.com/office/drawing/2010/main" xmlns="" w="9525">
                   <a:solidFill>
                     <a:srgbClr val="000000"/>
                   </a:solidFill>
@@ -315,7 +315,7 @@
             </a:ln>
             <a:extLst>
               <a:ext uri="{91240B29-F687-4f45-9708-019B960494DF}">
-                <a14:hiddenLine xmlns="" xmlns:a14="http://schemas.microsoft.com/office/drawing/2010/main" w="9525">
+                <a14:hiddenLine xmlns:a14="http://schemas.microsoft.com/office/drawing/2010/main" xmlns="" w="9525">
                   <a:solidFill>
                     <a:srgbClr val="000000"/>
                   </a:solidFill>
@@ -405,7 +405,7 @@
             </a:ln>
             <a:extLst>
               <a:ext uri="{91240B29-F687-4f45-9708-019B960494DF}">
-                <a14:hiddenLine xmlns="" xmlns:a14="http://schemas.microsoft.com/office/drawing/2010/main" w="9525">
+                <a14:hiddenLine xmlns:a14="http://schemas.microsoft.com/office/drawing/2010/main" xmlns="" w="9525">
                   <a:solidFill>
                     <a:srgbClr val="000000"/>
                   </a:solidFill>
@@ -439,7 +439,7 @@
             </a:ln>
             <a:extLst>
               <a:ext uri="{91240B29-F687-4f45-9708-019B960494DF}">
-                <a14:hiddenLine xmlns="" xmlns:a14="http://schemas.microsoft.com/office/drawing/2010/main" w="9525">
+                <a14:hiddenLine xmlns:a14="http://schemas.microsoft.com/office/drawing/2010/main" xmlns="" w="9525">
                   <a:solidFill>
                     <a:srgbClr val="000000"/>
                   </a:solidFill>
@@ -529,7 +529,7 @@
             </a:ln>
             <a:extLst>
               <a:ext uri="{91240B29-F687-4f45-9708-019B960494DF}">
-                <a14:hiddenLine xmlns="" xmlns:a14="http://schemas.microsoft.com/office/drawing/2010/main" w="9525">
+                <a14:hiddenLine xmlns:a14="http://schemas.microsoft.com/office/drawing/2010/main" xmlns="" w="9525">
                   <a:solidFill>
                     <a:srgbClr val="000000"/>
                   </a:solidFill>
@@ -591,7 +591,7 @@
             </a:ln>
             <a:extLst>
               <a:ext uri="{91240B29-F687-4f45-9708-019B960494DF}">
-                <a14:hiddenLine xmlns="" xmlns:a14="http://schemas.microsoft.com/office/drawing/2010/main" w="9525">
+                <a14:hiddenLine xmlns:a14="http://schemas.microsoft.com/office/drawing/2010/main" xmlns="" w="9525">
                   <a:solidFill>
                     <a:srgbClr val="000000"/>
                   </a:solidFill>
@@ -653,7 +653,7 @@
             </a:ln>
             <a:extLst>
               <a:ext uri="{91240B29-F687-4f45-9708-019B960494DF}">
-                <a14:hiddenLine xmlns="" xmlns:a14="http://schemas.microsoft.com/office/drawing/2010/main" w="9525">
+                <a14:hiddenLine xmlns:a14="http://schemas.microsoft.com/office/drawing/2010/main" xmlns="" w="9525">
                   <a:solidFill>
                     <a:srgbClr val="000000"/>
                   </a:solidFill>
@@ -743,7 +743,7 @@
             </a:ln>
             <a:extLst>
               <a:ext uri="{91240B29-F687-4f45-9708-019B960494DF}">
-                <a14:hiddenLine xmlns="" xmlns:a14="http://schemas.microsoft.com/office/drawing/2010/main" w="9525">
+                <a14:hiddenLine xmlns:a14="http://schemas.microsoft.com/office/drawing/2010/main" xmlns="" w="9525">
                   <a:solidFill>
                     <a:srgbClr val="000000"/>
                   </a:solidFill>
@@ -805,7 +805,7 @@
             </a:ln>
             <a:extLst>
               <a:ext uri="{91240B29-F687-4f45-9708-019B960494DF}">
-                <a14:hiddenLine xmlns="" xmlns:a14="http://schemas.microsoft.com/office/drawing/2010/main" w="9525">
+                <a14:hiddenLine xmlns:a14="http://schemas.microsoft.com/office/drawing/2010/main" xmlns="" w="9525">
                   <a:solidFill>
                     <a:srgbClr val="000000"/>
                   </a:solidFill>
@@ -867,7 +867,7 @@
             </a:ln>
             <a:extLst>
               <a:ext uri="{91240B29-F687-4f45-9708-019B960494DF}">
-                <a14:hiddenLine xmlns="" xmlns:a14="http://schemas.microsoft.com/office/drawing/2010/main" w="9525">
+                <a14:hiddenLine xmlns:a14="http://schemas.microsoft.com/office/drawing/2010/main" xmlns="" w="9525">
                   <a:solidFill>
                     <a:srgbClr val="000000"/>
                   </a:solidFill>
@@ -957,7 +957,7 @@
             </a:ln>
             <a:extLst>
               <a:ext uri="{91240B29-F687-4f45-9708-019B960494DF}">
-                <a14:hiddenLine xmlns="" xmlns:a14="http://schemas.microsoft.com/office/drawing/2010/main" w="9525">
+                <a14:hiddenLine xmlns:a14="http://schemas.microsoft.com/office/drawing/2010/main" xmlns="" w="9525">
                   <a:solidFill>
                     <a:srgbClr val="000000"/>
                   </a:solidFill>
@@ -1047,7 +1047,7 @@
             </a:ln>
             <a:extLst>
               <a:ext uri="{91240B29-F687-4f45-9708-019B960494DF}">
-                <a14:hiddenLine xmlns="" xmlns:a14="http://schemas.microsoft.com/office/drawing/2010/main" w="9525">
+                <a14:hiddenLine xmlns:a14="http://schemas.microsoft.com/office/drawing/2010/main" xmlns="" w="9525">
                   <a:solidFill>
                     <a:srgbClr val="000000"/>
                   </a:solidFill>
@@ -1109,7 +1109,7 @@
             </a:ln>
             <a:extLst>
               <a:ext uri="{91240B29-F687-4f45-9708-019B960494DF}">
-                <a14:hiddenLine xmlns="" xmlns:a14="http://schemas.microsoft.com/office/drawing/2010/main" w="9525">
+                <a14:hiddenLine xmlns:a14="http://schemas.microsoft.com/office/drawing/2010/main" xmlns="" w="9525">
                   <a:solidFill>
                     <a:srgbClr val="000000"/>
                   </a:solidFill>
@@ -1219,7 +1219,7 @@
             </a:ln>
             <a:extLst>
               <a:ext uri="{91240B29-F687-4f45-9708-019B960494DF}">
-                <a14:hiddenLine xmlns="" xmlns:a14="http://schemas.microsoft.com/office/drawing/2010/main" w="9525">
+                <a14:hiddenLine xmlns:a14="http://schemas.microsoft.com/office/drawing/2010/main" xmlns="" w="9525">
                   <a:solidFill>
                     <a:srgbClr val="000000"/>
                   </a:solidFill>
@@ -1281,7 +1281,7 @@
             </a:ln>
             <a:extLst>
               <a:ext uri="{91240B29-F687-4f45-9708-019B960494DF}">
-                <a14:hiddenLine xmlns="" xmlns:a14="http://schemas.microsoft.com/office/drawing/2010/main" w="9525">
+                <a14:hiddenLine xmlns:a14="http://schemas.microsoft.com/office/drawing/2010/main" xmlns="" w="9525">
                   <a:solidFill>
                     <a:srgbClr val="000000"/>
                   </a:solidFill>
@@ -1371,7 +1371,7 @@
             </a:ln>
             <a:extLst>
               <a:ext uri="{91240B29-F687-4f45-9708-019B960494DF}">
-                <a14:hiddenLine xmlns="" xmlns:a14="http://schemas.microsoft.com/office/drawing/2010/main" w="9525">
+                <a14:hiddenLine xmlns:a14="http://schemas.microsoft.com/office/drawing/2010/main" xmlns="" w="9525">
                   <a:solidFill>
                     <a:srgbClr val="000000"/>
                   </a:solidFill>
@@ -1461,7 +1461,7 @@
             </a:ln>
             <a:extLst>
               <a:ext uri="{91240B29-F687-4f45-9708-019B960494DF}">
-                <a14:hiddenLine xmlns="" xmlns:a14="http://schemas.microsoft.com/office/drawing/2010/main" w="9525">
+                <a14:hiddenLine xmlns:a14="http://schemas.microsoft.com/office/drawing/2010/main" xmlns="" w="9525">
                   <a:solidFill>
                     <a:srgbClr val="000000"/>
                   </a:solidFill>
@@ -1523,7 +1523,7 @@
             </a:ln>
             <a:extLst>
               <a:ext uri="{91240B29-F687-4f45-9708-019B960494DF}">
-                <a14:hiddenLine xmlns="" xmlns:a14="http://schemas.microsoft.com/office/drawing/2010/main" w="9525">
+                <a14:hiddenLine xmlns:a14="http://schemas.microsoft.com/office/drawing/2010/main" xmlns="" w="9525">
                   <a:solidFill>
                     <a:srgbClr val="000000"/>
                   </a:solidFill>
@@ -1613,7 +1613,7 @@
             </a:ln>
             <a:extLst>
               <a:ext uri="{91240B29-F687-4f45-9708-019B960494DF}">
-                <a14:hiddenLine xmlns="" xmlns:a14="http://schemas.microsoft.com/office/drawing/2010/main" w="9525">
+                <a14:hiddenLine xmlns:a14="http://schemas.microsoft.com/office/drawing/2010/main" xmlns="" w="9525">
                   <a:solidFill>
                     <a:srgbClr val="000000"/>
                   </a:solidFill>
@@ -1703,7 +1703,7 @@
             </a:ln>
             <a:extLst>
               <a:ext uri="{91240B29-F687-4f45-9708-019B960494DF}">
-                <a14:hiddenLine xmlns="" xmlns:a14="http://schemas.microsoft.com/office/drawing/2010/main" w="9525">
+                <a14:hiddenLine xmlns:a14="http://schemas.microsoft.com/office/drawing/2010/main" xmlns="" w="9525">
                   <a:solidFill>
                     <a:srgbClr val="000000"/>
                   </a:solidFill>
@@ -1759,7 +1759,7 @@
             </a:ln>
             <a:extLst>
               <a:ext uri="{91240B29-F687-4f45-9708-019B960494DF}">
-                <a14:hiddenLine xmlns="" xmlns:a14="http://schemas.microsoft.com/office/drawing/2010/main" w="9525">
+                <a14:hiddenLine xmlns:a14="http://schemas.microsoft.com/office/drawing/2010/main" xmlns="" w="9525">
                   <a:solidFill>
                     <a:srgbClr val="000000"/>
                   </a:solidFill>
@@ -1849,7 +1849,7 @@
             </a:ln>
             <a:extLst>
               <a:ext uri="{91240B29-F687-4f45-9708-019B960494DF}">
-                <a14:hiddenLine xmlns="" xmlns:a14="http://schemas.microsoft.com/office/drawing/2010/main" w="9525">
+                <a14:hiddenLine xmlns:a14="http://schemas.microsoft.com/office/drawing/2010/main" xmlns="" w="9525">
                   <a:solidFill>
                     <a:srgbClr val="000000"/>
                   </a:solidFill>
@@ -1905,7 +1905,7 @@
             </a:ln>
             <a:extLst>
               <a:ext uri="{91240B29-F687-4f45-9708-019B960494DF}">
-                <a14:hiddenLine xmlns="" xmlns:a14="http://schemas.microsoft.com/office/drawing/2010/main" w="9525">
+                <a14:hiddenLine xmlns:a14="http://schemas.microsoft.com/office/drawing/2010/main" xmlns="" w="9525">
                   <a:solidFill>
                     <a:srgbClr val="000000"/>
                   </a:solidFill>
@@ -1995,7 +1995,7 @@
             </a:ln>
             <a:extLst>
               <a:ext uri="{91240B29-F687-4f45-9708-019B960494DF}">
-                <a14:hiddenLine xmlns="" xmlns:a14="http://schemas.microsoft.com/office/drawing/2010/main" w="9525">
+                <a14:hiddenLine xmlns:a14="http://schemas.microsoft.com/office/drawing/2010/main" xmlns="" w="9525">
                   <a:solidFill>
                     <a:srgbClr val="000000"/>
                   </a:solidFill>
@@ -2063,7 +2063,7 @@
             </a:ln>
             <a:extLst>
               <a:ext uri="{91240B29-F687-4f45-9708-019B960494DF}">
-                <a14:hiddenLine xmlns="" xmlns:a14="http://schemas.microsoft.com/office/drawing/2010/main" w="9525">
+                <a14:hiddenLine xmlns:a14="http://schemas.microsoft.com/office/drawing/2010/main" xmlns="" w="9525">
                   <a:solidFill>
                     <a:srgbClr val="000000"/>
                   </a:solidFill>
@@ -2153,7 +2153,7 @@
             </a:ln>
             <a:extLst>
               <a:ext uri="{91240B29-F687-4f45-9708-019B960494DF}">
-                <a14:hiddenLine xmlns="" xmlns:a14="http://schemas.microsoft.com/office/drawing/2010/main" w="9525">
+                <a14:hiddenLine xmlns:a14="http://schemas.microsoft.com/office/drawing/2010/main" xmlns="" w="9525">
                   <a:solidFill>
                     <a:srgbClr val="000000"/>
                   </a:solidFill>
@@ -2221,7 +2221,7 @@
             </a:ln>
             <a:extLst>
               <a:ext uri="{91240B29-F687-4f45-9708-019B960494DF}">
-                <a14:hiddenLine xmlns="" xmlns:a14="http://schemas.microsoft.com/office/drawing/2010/main" w="9525">
+                <a14:hiddenLine xmlns:a14="http://schemas.microsoft.com/office/drawing/2010/main" xmlns="" w="9525">
                   <a:solidFill>
                     <a:srgbClr val="000000"/>
                   </a:solidFill>
@@ -2311,7 +2311,7 @@
             </a:ln>
             <a:extLst>
               <a:ext uri="{91240B29-F687-4f45-9708-019B960494DF}">
-                <a14:hiddenLine xmlns="" xmlns:a14="http://schemas.microsoft.com/office/drawing/2010/main" w="9525">
+                <a14:hiddenLine xmlns:a14="http://schemas.microsoft.com/office/drawing/2010/main" xmlns="" w="9525">
                   <a:solidFill>
                     <a:srgbClr val="000000"/>
                   </a:solidFill>
@@ -2345,7 +2345,7 @@
             </a:ln>
             <a:extLst>
               <a:ext uri="{91240B29-F687-4f45-9708-019B960494DF}">
-                <a14:hiddenLine xmlns="" xmlns:a14="http://schemas.microsoft.com/office/drawing/2010/main" w="9525">
+                <a14:hiddenLine xmlns:a14="http://schemas.microsoft.com/office/drawing/2010/main" xmlns="" w="9525">
                   <a:solidFill>
                     <a:srgbClr val="000000"/>
                   </a:solidFill>
@@ -2435,7 +2435,7 @@
             </a:ln>
             <a:extLst>
               <a:ext uri="{91240B29-F687-4f45-9708-019B960494DF}">
-                <a14:hiddenLine xmlns="" xmlns:a14="http://schemas.microsoft.com/office/drawing/2010/main" w="9525">
+                <a14:hiddenLine xmlns:a14="http://schemas.microsoft.com/office/drawing/2010/main" xmlns="" w="9525">
                   <a:solidFill>
                     <a:srgbClr val="000000"/>
                   </a:solidFill>
@@ -2497,7 +2497,7 @@
             </a:ln>
             <a:extLst>
               <a:ext uri="{91240B29-F687-4f45-9708-019B960494DF}">
-                <a14:hiddenLine xmlns="" xmlns:a14="http://schemas.microsoft.com/office/drawing/2010/main" w="9525">
+                <a14:hiddenLine xmlns:a14="http://schemas.microsoft.com/office/drawing/2010/main" xmlns="" w="9525">
                   <a:solidFill>
                     <a:srgbClr val="000000"/>
                   </a:solidFill>
@@ -2559,7 +2559,7 @@
             </a:ln>
             <a:extLst>
               <a:ext uri="{91240B29-F687-4f45-9708-019B960494DF}">
-                <a14:hiddenLine xmlns="" xmlns:a14="http://schemas.microsoft.com/office/drawing/2010/main" w="9525">
+                <a14:hiddenLine xmlns:a14="http://schemas.microsoft.com/office/drawing/2010/main" xmlns="" w="9525">
                   <a:solidFill>
                     <a:srgbClr val="000000"/>
                   </a:solidFill>
@@ -2649,7 +2649,7 @@
             </a:ln>
             <a:extLst>
               <a:ext uri="{91240B29-F687-4f45-9708-019B960494DF}">
-                <a14:hiddenLine xmlns="" xmlns:a14="http://schemas.microsoft.com/office/drawing/2010/main" w="9525">
+                <a14:hiddenLine xmlns:a14="http://schemas.microsoft.com/office/drawing/2010/main" xmlns="" w="9525">
                   <a:solidFill>
                     <a:srgbClr val="000000"/>
                   </a:solidFill>
@@ -2717,7 +2717,7 @@
             </a:ln>
             <a:extLst>
               <a:ext uri="{91240B29-F687-4f45-9708-019B960494DF}">
-                <a14:hiddenLine xmlns="" xmlns:a14="http://schemas.microsoft.com/office/drawing/2010/main" w="9525">
+                <a14:hiddenLine xmlns:a14="http://schemas.microsoft.com/office/drawing/2010/main" xmlns="" w="9525">
                   <a:solidFill>
                     <a:srgbClr val="000000"/>
                   </a:solidFill>
@@ -2779,7 +2779,7 @@
             </a:ln>
             <a:extLst>
               <a:ext uri="{91240B29-F687-4f45-9708-019B960494DF}">
-                <a14:hiddenLine xmlns="" xmlns:a14="http://schemas.microsoft.com/office/drawing/2010/main" w="9525">
+                <a14:hiddenLine xmlns:a14="http://schemas.microsoft.com/office/drawing/2010/main" xmlns="" w="9525">
                   <a:solidFill>
                     <a:srgbClr val="000000"/>
                   </a:solidFill>
@@ -2869,7 +2869,7 @@
             </a:ln>
             <a:extLst>
               <a:ext uri="{91240B29-F687-4f45-9708-019B960494DF}">
-                <a14:hiddenLine xmlns="" xmlns:a14="http://schemas.microsoft.com/office/drawing/2010/main" w="9525">
+                <a14:hiddenLine xmlns:a14="http://schemas.microsoft.com/office/drawing/2010/main" xmlns="" w="9525">
                   <a:solidFill>
                     <a:srgbClr val="000000"/>
                   </a:solidFill>
@@ -2931,7 +2931,7 @@
             </a:ln>
             <a:extLst>
               <a:ext uri="{91240B29-F687-4f45-9708-019B960494DF}">
-                <a14:hiddenLine xmlns="" xmlns:a14="http://schemas.microsoft.com/office/drawing/2010/main" w="9525">
+                <a14:hiddenLine xmlns:a14="http://schemas.microsoft.com/office/drawing/2010/main" xmlns="" w="9525">
                   <a:solidFill>
                     <a:srgbClr val="000000"/>
                   </a:solidFill>
@@ -3021,7 +3021,7 @@
             </a:ln>
             <a:extLst>
               <a:ext uri="{91240B29-F687-4f45-9708-019B960494DF}">
-                <a14:hiddenLine xmlns="" xmlns:a14="http://schemas.microsoft.com/office/drawing/2010/main" w="9525">
+                <a14:hiddenLine xmlns:a14="http://schemas.microsoft.com/office/drawing/2010/main" xmlns="" w="9525">
                   <a:solidFill>
                     <a:srgbClr val="000000"/>
                   </a:solidFill>
@@ -3083,7 +3083,7 @@
             </a:ln>
             <a:extLst>
               <a:ext uri="{91240B29-F687-4f45-9708-019B960494DF}">
-                <a14:hiddenLine xmlns="" xmlns:a14="http://schemas.microsoft.com/office/drawing/2010/main" w="9525">
+                <a14:hiddenLine xmlns:a14="http://schemas.microsoft.com/office/drawing/2010/main" xmlns="" w="9525">
                   <a:solidFill>
                     <a:srgbClr val="000000"/>
                   </a:solidFill>
@@ -3173,7 +3173,7 @@
             </a:ln>
             <a:extLst>
               <a:ext uri="{91240B29-F687-4f45-9708-019B960494DF}">
-                <a14:hiddenLine xmlns="" xmlns:a14="http://schemas.microsoft.com/office/drawing/2010/main" w="9525">
+                <a14:hiddenLine xmlns:a14="http://schemas.microsoft.com/office/drawing/2010/main" xmlns="" w="9525">
                   <a:solidFill>
                     <a:srgbClr val="000000"/>
                   </a:solidFill>
@@ -3207,7 +3207,7 @@
             </a:ln>
             <a:extLst>
               <a:ext uri="{91240B29-F687-4f45-9708-019B960494DF}">
-                <a14:hiddenLine xmlns="" xmlns:a14="http://schemas.microsoft.com/office/drawing/2010/main" w="9525">
+                <a14:hiddenLine xmlns:a14="http://schemas.microsoft.com/office/drawing/2010/main" xmlns="" w="9525">
                   <a:solidFill>
                     <a:srgbClr val="000000"/>
                   </a:solidFill>
@@ -3272,7 +3272,7 @@
             </a:ln>
             <a:extLst>
               <a:ext uri="{91240B29-F687-4f45-9708-019B960494DF}">
-                <a14:hiddenLine xmlns="" xmlns:a14="http://schemas.microsoft.com/office/drawing/2010/main" w="9525">
+                <a14:hiddenLine xmlns:a14="http://schemas.microsoft.com/office/drawing/2010/main" xmlns="" w="9525">
                   <a:solidFill>
                     <a:srgbClr val="000000"/>
                   </a:solidFill>
@@ -3362,7 +3362,7 @@
             </a:ln>
             <a:extLst>
               <a:ext uri="{91240B29-F687-4f45-9708-019B960494DF}">
-                <a14:hiddenLine xmlns="" xmlns:a14="http://schemas.microsoft.com/office/drawing/2010/main" w="9525">
+                <a14:hiddenLine xmlns:a14="http://schemas.microsoft.com/office/drawing/2010/main" xmlns="" w="9525">
                   <a:solidFill>
                     <a:srgbClr val="000000"/>
                   </a:solidFill>
@@ -3424,7 +3424,7 @@
             </a:ln>
             <a:extLst>
               <a:ext uri="{91240B29-F687-4f45-9708-019B960494DF}">
-                <a14:hiddenLine xmlns="" xmlns:a14="http://schemas.microsoft.com/office/drawing/2010/main" w="9525">
+                <a14:hiddenLine xmlns:a14="http://schemas.microsoft.com/office/drawing/2010/main" xmlns="" w="9525">
                   <a:solidFill>
                     <a:srgbClr val="000000"/>
                   </a:solidFill>
@@ -3514,7 +3514,7 @@
             </a:ln>
             <a:extLst>
               <a:ext uri="{91240B29-F687-4f45-9708-019B960494DF}">
-                <a14:hiddenLine xmlns="" xmlns:a14="http://schemas.microsoft.com/office/drawing/2010/main" w="9525">
+                <a14:hiddenLine xmlns:a14="http://schemas.microsoft.com/office/drawing/2010/main" xmlns="" w="9525">
                   <a:solidFill>
                     <a:srgbClr val="000000"/>
                   </a:solidFill>
@@ -3604,7 +3604,7 @@
             </a:ln>
             <a:extLst>
               <a:ext uri="{91240B29-F687-4f45-9708-019B960494DF}">
-                <a14:hiddenLine xmlns="" xmlns:a14="http://schemas.microsoft.com/office/drawing/2010/main" w="9525">
+                <a14:hiddenLine xmlns:a14="http://schemas.microsoft.com/office/drawing/2010/main" xmlns="" w="9525">
                   <a:solidFill>
                     <a:srgbClr val="000000"/>
                   </a:solidFill>
@@ -3669,7 +3669,7 @@
             </a:ln>
             <a:extLst>
               <a:ext uri="{91240B29-F687-4f45-9708-019B960494DF}">
-                <a14:hiddenLine xmlns="" xmlns:a14="http://schemas.microsoft.com/office/drawing/2010/main" w="9525">
+                <a14:hiddenLine xmlns:a14="http://schemas.microsoft.com/office/drawing/2010/main" xmlns="" w="9525">
                   <a:solidFill>
                     <a:srgbClr val="000000"/>
                   </a:solidFill>
@@ -3731,7 +3731,7 @@
             </a:ln>
             <a:extLst>
               <a:ext uri="{91240B29-F687-4f45-9708-019B960494DF}">
-                <a14:hiddenLine xmlns="" xmlns:a14="http://schemas.microsoft.com/office/drawing/2010/main" w="9525">
+                <a14:hiddenLine xmlns:a14="http://schemas.microsoft.com/office/drawing/2010/main" xmlns="" w="9525">
                   <a:solidFill>
                     <a:srgbClr val="000000"/>
                   </a:solidFill>
@@ -3821,7 +3821,7 @@
             </a:ln>
             <a:extLst>
               <a:ext uri="{91240B29-F687-4f45-9708-019B960494DF}">
-                <a14:hiddenLine xmlns="" xmlns:a14="http://schemas.microsoft.com/office/drawing/2010/main" w="9525">
+                <a14:hiddenLine xmlns:a14="http://schemas.microsoft.com/office/drawing/2010/main" xmlns="" w="9525">
                   <a:solidFill>
                     <a:srgbClr val="000000"/>
                   </a:solidFill>
@@ -3911,7 +3911,7 @@
             </a:ln>
             <a:extLst>
               <a:ext uri="{91240B29-F687-4f45-9708-019B960494DF}">
-                <a14:hiddenLine xmlns="" xmlns:a14="http://schemas.microsoft.com/office/drawing/2010/main" w="9525">
+                <a14:hiddenLine xmlns:a14="http://schemas.microsoft.com/office/drawing/2010/main" xmlns="" w="9525">
                   <a:solidFill>
                     <a:srgbClr val="000000"/>
                   </a:solidFill>
@@ -3973,7 +3973,7 @@
             </a:ln>
             <a:extLst>
               <a:ext uri="{91240B29-F687-4f45-9708-019B960494DF}">
-                <a14:hiddenLine xmlns="" xmlns:a14="http://schemas.microsoft.com/office/drawing/2010/main" w="9525">
+                <a14:hiddenLine xmlns:a14="http://schemas.microsoft.com/office/drawing/2010/main" xmlns="" w="9525">
                   <a:solidFill>
                     <a:srgbClr val="000000"/>
                   </a:solidFill>
@@ -4093,7 +4093,7 @@
             </a:ln>
             <a:extLst>
               <a:ext uri="{91240B29-F687-4f45-9708-019B960494DF}">
-                <a14:hiddenLine xmlns="" xmlns:a14="http://schemas.microsoft.com/office/drawing/2010/main" w="9525">
+                <a14:hiddenLine xmlns:a14="http://schemas.microsoft.com/office/drawing/2010/main" xmlns="" w="9525">
                   <a:solidFill>
                     <a:srgbClr val="000000"/>
                   </a:solidFill>
@@ -4161,7 +4161,7 @@
             </a:ln>
             <a:extLst>
               <a:ext uri="{91240B29-F687-4f45-9708-019B960494DF}">
-                <a14:hiddenLine xmlns="" xmlns:a14="http://schemas.microsoft.com/office/drawing/2010/main" w="9525">
+                <a14:hiddenLine xmlns:a14="http://schemas.microsoft.com/office/drawing/2010/main" xmlns="" w="9525">
                   <a:solidFill>
                     <a:srgbClr val="000000"/>
                   </a:solidFill>
@@ -4251,7 +4251,7 @@
             </a:ln>
             <a:extLst>
               <a:ext uri="{91240B29-F687-4f45-9708-019B960494DF}">
-                <a14:hiddenLine xmlns="" xmlns:a14="http://schemas.microsoft.com/office/drawing/2010/main" w="9525">
+                <a14:hiddenLine xmlns:a14="http://schemas.microsoft.com/office/drawing/2010/main" xmlns="" w="9525">
                   <a:solidFill>
                     <a:srgbClr val="000000"/>
                   </a:solidFill>
@@ -4391,7 +4391,7 @@
           <a:p>
             <a:fld id="{3CC9CAF6-6A02-42B9-84CB-1B93AE3AA54A}" type="datetimeFigureOut">
               <a:rPr lang="de-DE" smtClean="0"/>
-              <a:t>21.04.2022</a:t>
+              <a:t>25.04.2022</a:t>
             </a:fld>
             <a:endParaRPr lang="de-DE"/>
           </a:p>
@@ -4658,7 +4658,7 @@
           <a:p>
             <a:fld id="{3CC9CAF6-6A02-42B9-84CB-1B93AE3AA54A}" type="datetimeFigureOut">
               <a:rPr lang="de-DE" smtClean="0"/>
-              <a:t>21.04.2022</a:t>
+              <a:t>25.04.2022</a:t>
             </a:fld>
             <a:endParaRPr lang="de-DE"/>
           </a:p>
@@ -4854,7 +4854,7 @@
           <a:p>
             <a:fld id="{3CC9CAF6-6A02-42B9-84CB-1B93AE3AA54A}" type="datetimeFigureOut">
               <a:rPr lang="de-DE" smtClean="0"/>
-              <a:t>21.04.2022</a:t>
+              <a:t>25.04.2022</a:t>
             </a:fld>
             <a:endParaRPr lang="de-DE"/>
           </a:p>
@@ -5117,7 +5117,7 @@
           <a:p>
             <a:fld id="{3CC9CAF6-6A02-42B9-84CB-1B93AE3AA54A}" type="datetimeFigureOut">
               <a:rPr lang="de-DE" smtClean="0"/>
-              <a:t>21.04.2022</a:t>
+              <a:t>25.04.2022</a:t>
             </a:fld>
             <a:endParaRPr lang="de-DE"/>
           </a:p>
@@ -5551,7 +5551,7 @@
           <a:p>
             <a:fld id="{3CC9CAF6-6A02-42B9-84CB-1B93AE3AA54A}" type="datetimeFigureOut">
               <a:rPr lang="de-DE" smtClean="0"/>
-              <a:t>21.04.2022</a:t>
+              <a:t>25.04.2022</a:t>
             </a:fld>
             <a:endParaRPr lang="de-DE"/>
           </a:p>
@@ -6097,7 +6097,7 @@
           <a:p>
             <a:fld id="{3CC9CAF6-6A02-42B9-84CB-1B93AE3AA54A}" type="datetimeFigureOut">
               <a:rPr lang="de-DE" smtClean="0"/>
-              <a:t>21.04.2022</a:t>
+              <a:t>25.04.2022</a:t>
             </a:fld>
             <a:endParaRPr lang="de-DE"/>
           </a:p>
@@ -6817,7 +6817,7 @@
           <a:p>
             <a:fld id="{3CC9CAF6-6A02-42B9-84CB-1B93AE3AA54A}" type="datetimeFigureOut">
               <a:rPr lang="de-DE" smtClean="0"/>
-              <a:t>21.04.2022</a:t>
+              <a:t>25.04.2022</a:t>
             </a:fld>
             <a:endParaRPr lang="de-DE"/>
           </a:p>
@@ -6987,7 +6987,7 @@
           <a:p>
             <a:fld id="{3CC9CAF6-6A02-42B9-84CB-1B93AE3AA54A}" type="datetimeFigureOut">
               <a:rPr lang="de-DE" smtClean="0"/>
-              <a:t>21.04.2022</a:t>
+              <a:t>25.04.2022</a:t>
             </a:fld>
             <a:endParaRPr lang="de-DE"/>
           </a:p>
@@ -7167,7 +7167,7 @@
           <a:p>
             <a:fld id="{3CC9CAF6-6A02-42B9-84CB-1B93AE3AA54A}" type="datetimeFigureOut">
               <a:rPr lang="de-DE" smtClean="0"/>
-              <a:t>21.04.2022</a:t>
+              <a:t>25.04.2022</a:t>
             </a:fld>
             <a:endParaRPr lang="de-DE"/>
           </a:p>
@@ -7337,7 +7337,7 @@
           <a:p>
             <a:fld id="{3CC9CAF6-6A02-42B9-84CB-1B93AE3AA54A}" type="datetimeFigureOut">
               <a:rPr lang="de-DE" smtClean="0"/>
-              <a:t>21.04.2022</a:t>
+              <a:t>25.04.2022</a:t>
             </a:fld>
             <a:endParaRPr lang="de-DE"/>
           </a:p>
@@ -7587,7 +7587,7 @@
           <a:p>
             <a:fld id="{3CC9CAF6-6A02-42B9-84CB-1B93AE3AA54A}" type="datetimeFigureOut">
               <a:rPr lang="de-DE" smtClean="0"/>
-              <a:t>21.04.2022</a:t>
+              <a:t>25.04.2022</a:t>
             </a:fld>
             <a:endParaRPr lang="de-DE"/>
           </a:p>
@@ -7819,7 +7819,7 @@
           <a:p>
             <a:fld id="{3CC9CAF6-6A02-42B9-84CB-1B93AE3AA54A}" type="datetimeFigureOut">
               <a:rPr lang="de-DE" smtClean="0"/>
-              <a:t>21.04.2022</a:t>
+              <a:t>25.04.2022</a:t>
             </a:fld>
             <a:endParaRPr lang="de-DE"/>
           </a:p>
@@ -8200,7 +8200,7 @@
           <a:p>
             <a:fld id="{3CC9CAF6-6A02-42B9-84CB-1B93AE3AA54A}" type="datetimeFigureOut">
               <a:rPr lang="de-DE" smtClean="0"/>
-              <a:t>21.04.2022</a:t>
+              <a:t>25.04.2022</a:t>
             </a:fld>
             <a:endParaRPr lang="de-DE"/>
           </a:p>
@@ -8318,7 +8318,7 @@
           <a:p>
             <a:fld id="{3CC9CAF6-6A02-42B9-84CB-1B93AE3AA54A}" type="datetimeFigureOut">
               <a:rPr lang="de-DE" smtClean="0"/>
-              <a:t>21.04.2022</a:t>
+              <a:t>25.04.2022</a:t>
             </a:fld>
             <a:endParaRPr lang="de-DE"/>
           </a:p>
@@ -8413,7 +8413,7 @@
           <a:p>
             <a:fld id="{3CC9CAF6-6A02-42B9-84CB-1B93AE3AA54A}" type="datetimeFigureOut">
               <a:rPr lang="de-DE" smtClean="0"/>
-              <a:t>21.04.2022</a:t>
+              <a:t>25.04.2022</a:t>
             </a:fld>
             <a:endParaRPr lang="de-DE"/>
           </a:p>
@@ -8662,7 +8662,7 @@
           <a:p>
             <a:fld id="{3CC9CAF6-6A02-42B9-84CB-1B93AE3AA54A}" type="datetimeFigureOut">
               <a:rPr lang="de-DE" smtClean="0"/>
-              <a:t>21.04.2022</a:t>
+              <a:t>25.04.2022</a:t>
             </a:fld>
             <a:endParaRPr lang="de-DE"/>
           </a:p>
@@ -8942,7 +8942,7 @@
           <a:p>
             <a:fld id="{3CC9CAF6-6A02-42B9-84CB-1B93AE3AA54A}" type="datetimeFigureOut">
               <a:rPr lang="de-DE" smtClean="0"/>
-              <a:t>21.04.2022</a:t>
+              <a:t>25.04.2022</a:t>
             </a:fld>
             <a:endParaRPr lang="de-DE"/>
           </a:p>
@@ -9058,7 +9058,7 @@
           <a:noFill/>
           <a:extLst>
             <a:ext uri="{909E8E84-426E-40dd-AFC4-6F175D3DCCD1}">
-              <a14:hiddenFill xmlns="" xmlns:a14="http://schemas.microsoft.com/office/drawing/2010/main">
+              <a14:hiddenFill xmlns:a14="http://schemas.microsoft.com/office/drawing/2010/main" xmlns="">
                 <a:solidFill>
                   <a:srgbClr val="FFFFFF"/>
                 </a:solidFill>
@@ -9132,7 +9132,7 @@
               </a:ln>
               <a:extLst>
                 <a:ext uri="{91240B29-F687-4f45-9708-019B960494DF}">
-                  <a14:hiddenLine xmlns="" xmlns:a14="http://schemas.microsoft.com/office/drawing/2010/main" w="9525">
+                  <a14:hiddenLine xmlns:a14="http://schemas.microsoft.com/office/drawing/2010/main" xmlns="" w="9525">
                     <a:solidFill>
                       <a:srgbClr val="000000"/>
                     </a:solidFill>
@@ -9222,7 +9222,7 @@
               </a:ln>
               <a:extLst>
                 <a:ext uri="{91240B29-F687-4f45-9708-019B960494DF}">
-                  <a14:hiddenLine xmlns="" xmlns:a14="http://schemas.microsoft.com/office/drawing/2010/main" w="9525">
+                  <a14:hiddenLine xmlns:a14="http://schemas.microsoft.com/office/drawing/2010/main" xmlns="" w="9525">
                     <a:solidFill>
                       <a:srgbClr val="000000"/>
                     </a:solidFill>
@@ -9312,7 +9312,7 @@
               </a:ln>
               <a:extLst>
                 <a:ext uri="{91240B29-F687-4f45-9708-019B960494DF}">
-                  <a14:hiddenLine xmlns="" xmlns:a14="http://schemas.microsoft.com/office/drawing/2010/main" w="9525">
+                  <a14:hiddenLine xmlns:a14="http://schemas.microsoft.com/office/drawing/2010/main" xmlns="" w="9525">
                     <a:solidFill>
                       <a:srgbClr val="000000"/>
                     </a:solidFill>
@@ -9374,7 +9374,7 @@
               </a:ln>
               <a:extLst>
                 <a:ext uri="{91240B29-F687-4f45-9708-019B960494DF}">
-                  <a14:hiddenLine xmlns="" xmlns:a14="http://schemas.microsoft.com/office/drawing/2010/main" w="9525">
+                  <a14:hiddenLine xmlns:a14="http://schemas.microsoft.com/office/drawing/2010/main" xmlns="" w="9525">
                     <a:solidFill>
                       <a:srgbClr val="000000"/>
                     </a:solidFill>
@@ -9464,7 +9464,7 @@
               </a:ln>
               <a:extLst>
                 <a:ext uri="{91240B29-F687-4f45-9708-019B960494DF}">
-                  <a14:hiddenLine xmlns="" xmlns:a14="http://schemas.microsoft.com/office/drawing/2010/main" w="9525">
+                  <a14:hiddenLine xmlns:a14="http://schemas.microsoft.com/office/drawing/2010/main" xmlns="" w="9525">
                     <a:solidFill>
                       <a:srgbClr val="000000"/>
                     </a:solidFill>
@@ -9526,7 +9526,7 @@
               </a:ln>
               <a:extLst>
                 <a:ext uri="{91240B29-F687-4f45-9708-019B960494DF}">
-                  <a14:hiddenLine xmlns="" xmlns:a14="http://schemas.microsoft.com/office/drawing/2010/main" w="9525">
+                  <a14:hiddenLine xmlns:a14="http://schemas.microsoft.com/office/drawing/2010/main" xmlns="" w="9525">
                     <a:solidFill>
                       <a:srgbClr val="000000"/>
                     </a:solidFill>
@@ -9588,7 +9588,7 @@
               </a:ln>
               <a:extLst>
                 <a:ext uri="{91240B29-F687-4f45-9708-019B960494DF}">
-                  <a14:hiddenLine xmlns="" xmlns:a14="http://schemas.microsoft.com/office/drawing/2010/main" w="9525">
+                  <a14:hiddenLine xmlns:a14="http://schemas.microsoft.com/office/drawing/2010/main" xmlns="" w="9525">
                     <a:solidFill>
                       <a:srgbClr val="000000"/>
                     </a:solidFill>
@@ -9678,7 +9678,7 @@
               </a:ln>
               <a:extLst>
                 <a:ext uri="{91240B29-F687-4f45-9708-019B960494DF}">
-                  <a14:hiddenLine xmlns="" xmlns:a14="http://schemas.microsoft.com/office/drawing/2010/main" w="9525">
+                  <a14:hiddenLine xmlns:a14="http://schemas.microsoft.com/office/drawing/2010/main" xmlns="" w="9525">
                     <a:solidFill>
                       <a:srgbClr val="000000"/>
                     </a:solidFill>
@@ -9768,7 +9768,7 @@
               </a:ln>
               <a:extLst>
                 <a:ext uri="{91240B29-F687-4f45-9708-019B960494DF}">
-                  <a14:hiddenLine xmlns="" xmlns:a14="http://schemas.microsoft.com/office/drawing/2010/main" w="9525">
+                  <a14:hiddenLine xmlns:a14="http://schemas.microsoft.com/office/drawing/2010/main" xmlns="" w="9525">
                     <a:solidFill>
                       <a:srgbClr val="000000"/>
                     </a:solidFill>
@@ -9830,7 +9830,7 @@
               </a:ln>
               <a:extLst>
                 <a:ext uri="{91240B29-F687-4f45-9708-019B960494DF}">
-                  <a14:hiddenLine xmlns="" xmlns:a14="http://schemas.microsoft.com/office/drawing/2010/main" w="9525">
+                  <a14:hiddenLine xmlns:a14="http://schemas.microsoft.com/office/drawing/2010/main" xmlns="" w="9525">
                     <a:solidFill>
                       <a:srgbClr val="000000"/>
                     </a:solidFill>
@@ -9940,7 +9940,7 @@
               </a:ln>
               <a:extLst>
                 <a:ext uri="{91240B29-F687-4f45-9708-019B960494DF}">
-                  <a14:hiddenLine xmlns="" xmlns:a14="http://schemas.microsoft.com/office/drawing/2010/main" w="9525">
+                  <a14:hiddenLine xmlns:a14="http://schemas.microsoft.com/office/drawing/2010/main" xmlns="" w="9525">
                     <a:solidFill>
                       <a:srgbClr val="000000"/>
                     </a:solidFill>
@@ -10024,7 +10024,7 @@
               </a:ln>
               <a:extLst>
                 <a:ext uri="{91240B29-F687-4f45-9708-019B960494DF}">
-                  <a14:hiddenLine xmlns="" xmlns:a14="http://schemas.microsoft.com/office/drawing/2010/main" w="9525">
+                  <a14:hiddenLine xmlns:a14="http://schemas.microsoft.com/office/drawing/2010/main" xmlns="" w="9525">
                     <a:solidFill>
                       <a:srgbClr val="000000"/>
                     </a:solidFill>
@@ -10086,7 +10086,7 @@
               </a:ln>
               <a:extLst>
                 <a:ext uri="{91240B29-F687-4f45-9708-019B960494DF}">
-                  <a14:hiddenLine xmlns="" xmlns:a14="http://schemas.microsoft.com/office/drawing/2010/main" w="9525">
+                  <a14:hiddenLine xmlns:a14="http://schemas.microsoft.com/office/drawing/2010/main" xmlns="" w="9525">
                     <a:solidFill>
                       <a:srgbClr val="000000"/>
                     </a:solidFill>
@@ -10148,7 +10148,7 @@
               </a:ln>
               <a:extLst>
                 <a:ext uri="{91240B29-F687-4f45-9708-019B960494DF}">
-                  <a14:hiddenLine xmlns="" xmlns:a14="http://schemas.microsoft.com/office/drawing/2010/main" w="9525">
+                  <a14:hiddenLine xmlns:a14="http://schemas.microsoft.com/office/drawing/2010/main" xmlns="" w="9525">
                     <a:solidFill>
                       <a:srgbClr val="000000"/>
                     </a:solidFill>
@@ -10238,7 +10238,7 @@
               </a:ln>
               <a:extLst>
                 <a:ext uri="{91240B29-F687-4f45-9708-019B960494DF}">
-                  <a14:hiddenLine xmlns="" xmlns:a14="http://schemas.microsoft.com/office/drawing/2010/main" w="9525">
+                  <a14:hiddenLine xmlns:a14="http://schemas.microsoft.com/office/drawing/2010/main" xmlns="" w="9525">
                     <a:solidFill>
                       <a:srgbClr val="000000"/>
                     </a:solidFill>
@@ -10272,7 +10272,7 @@
               </a:ln>
               <a:extLst>
                 <a:ext uri="{91240B29-F687-4f45-9708-019B960494DF}">
-                  <a14:hiddenLine xmlns="" xmlns:a14="http://schemas.microsoft.com/office/drawing/2010/main" w="9525">
+                  <a14:hiddenLine xmlns:a14="http://schemas.microsoft.com/office/drawing/2010/main" xmlns="" w="9525">
                     <a:solidFill>
                       <a:srgbClr val="000000"/>
                     </a:solidFill>
@@ -10337,7 +10337,7 @@
               </a:ln>
               <a:extLst>
                 <a:ext uri="{91240B29-F687-4f45-9708-019B960494DF}">
-                  <a14:hiddenLine xmlns="" xmlns:a14="http://schemas.microsoft.com/office/drawing/2010/main" w="9525">
+                  <a14:hiddenLine xmlns:a14="http://schemas.microsoft.com/office/drawing/2010/main" xmlns="" w="9525">
                     <a:solidFill>
                       <a:srgbClr val="000000"/>
                     </a:solidFill>
@@ -10427,7 +10427,7 @@
               </a:ln>
               <a:extLst>
                 <a:ext uri="{91240B29-F687-4f45-9708-019B960494DF}">
-                  <a14:hiddenLine xmlns="" xmlns:a14="http://schemas.microsoft.com/office/drawing/2010/main" w="9525">
+                  <a14:hiddenLine xmlns:a14="http://schemas.microsoft.com/office/drawing/2010/main" xmlns="" w="9525">
                     <a:solidFill>
                       <a:srgbClr val="000000"/>
                     </a:solidFill>
@@ -10489,7 +10489,7 @@
               </a:ln>
               <a:extLst>
                 <a:ext uri="{91240B29-F687-4f45-9708-019B960494DF}">
-                  <a14:hiddenLine xmlns="" xmlns:a14="http://schemas.microsoft.com/office/drawing/2010/main" w="9525">
+                  <a14:hiddenLine xmlns:a14="http://schemas.microsoft.com/office/drawing/2010/main" xmlns="" w="9525">
                     <a:solidFill>
                       <a:srgbClr val="000000"/>
                     </a:solidFill>
@@ -10579,7 +10579,7 @@
               </a:ln>
               <a:extLst>
                 <a:ext uri="{91240B29-F687-4f45-9708-019B960494DF}">
-                  <a14:hiddenLine xmlns="" xmlns:a14="http://schemas.microsoft.com/office/drawing/2010/main" w="9525">
+                  <a14:hiddenLine xmlns:a14="http://schemas.microsoft.com/office/drawing/2010/main" xmlns="" w="9525">
                     <a:solidFill>
                       <a:srgbClr val="000000"/>
                     </a:solidFill>
@@ -10644,7 +10644,7 @@
               </a:ln>
               <a:extLst>
                 <a:ext uri="{91240B29-F687-4f45-9708-019B960494DF}">
-                  <a14:hiddenLine xmlns="" xmlns:a14="http://schemas.microsoft.com/office/drawing/2010/main" w="9525">
+                  <a14:hiddenLine xmlns:a14="http://schemas.microsoft.com/office/drawing/2010/main" xmlns="" w="9525">
                     <a:solidFill>
                       <a:srgbClr val="000000"/>
                     </a:solidFill>
@@ -10706,7 +10706,7 @@
               </a:ln>
               <a:extLst>
                 <a:ext uri="{91240B29-F687-4f45-9708-019B960494DF}">
-                  <a14:hiddenLine xmlns="" xmlns:a14="http://schemas.microsoft.com/office/drawing/2010/main" w="9525">
+                  <a14:hiddenLine xmlns:a14="http://schemas.microsoft.com/office/drawing/2010/main" xmlns="" w="9525">
                     <a:solidFill>
                       <a:srgbClr val="000000"/>
                     </a:solidFill>
@@ -10796,7 +10796,7 @@
               </a:ln>
               <a:extLst>
                 <a:ext uri="{91240B29-F687-4f45-9708-019B960494DF}">
-                  <a14:hiddenLine xmlns="" xmlns:a14="http://schemas.microsoft.com/office/drawing/2010/main" w="9525">
+                  <a14:hiddenLine xmlns:a14="http://schemas.microsoft.com/office/drawing/2010/main" xmlns="" w="9525">
                     <a:solidFill>
                       <a:srgbClr val="000000"/>
                     </a:solidFill>
@@ -10886,7 +10886,7 @@
               </a:ln>
               <a:extLst>
                 <a:ext uri="{91240B29-F687-4f45-9708-019B960494DF}">
-                  <a14:hiddenLine xmlns="" xmlns:a14="http://schemas.microsoft.com/office/drawing/2010/main" w="9525">
+                  <a14:hiddenLine xmlns:a14="http://schemas.microsoft.com/office/drawing/2010/main" xmlns="" w="9525">
                     <a:solidFill>
                       <a:srgbClr val="000000"/>
                     </a:solidFill>
@@ -10951,7 +10951,7 @@
               </a:ln>
               <a:extLst>
                 <a:ext uri="{91240B29-F687-4f45-9708-019B960494DF}">
-                  <a14:hiddenLine xmlns="" xmlns:a14="http://schemas.microsoft.com/office/drawing/2010/main" w="9525">
+                  <a14:hiddenLine xmlns:a14="http://schemas.microsoft.com/office/drawing/2010/main" xmlns="" w="9525">
                     <a:solidFill>
                       <a:srgbClr val="000000"/>
                     </a:solidFill>
@@ -11071,7 +11071,7 @@
               </a:ln>
               <a:extLst>
                 <a:ext uri="{91240B29-F687-4f45-9708-019B960494DF}">
-                  <a14:hiddenLine xmlns="" xmlns:a14="http://schemas.microsoft.com/office/drawing/2010/main" w="9525">
+                  <a14:hiddenLine xmlns:a14="http://schemas.microsoft.com/office/drawing/2010/main" xmlns="" w="9525">
                     <a:solidFill>
                       <a:srgbClr val="000000"/>
                     </a:solidFill>
@@ -11169,7 +11169,7 @@
               </a:ln>
               <a:extLst>
                 <a:ext uri="{91240B29-F687-4f45-9708-019B960494DF}">
-                  <a14:hiddenLine xmlns="" xmlns:a14="http://schemas.microsoft.com/office/drawing/2010/main" w="9525">
+                  <a14:hiddenLine xmlns:a14="http://schemas.microsoft.com/office/drawing/2010/main" xmlns="" w="9525">
                     <a:solidFill>
                       <a:srgbClr val="000000"/>
                     </a:solidFill>
@@ -11284,7 +11284,7 @@
               </a:ln>
               <a:extLst>
                 <a:ext uri="{91240B29-F687-4f45-9708-019B960494DF}">
-                  <a14:hiddenLine xmlns="" xmlns:a14="http://schemas.microsoft.com/office/drawing/2010/main" w="9525">
+                  <a14:hiddenLine xmlns:a14="http://schemas.microsoft.com/office/drawing/2010/main" xmlns="" w="9525">
                     <a:solidFill>
                       <a:srgbClr val="000000"/>
                     </a:solidFill>
@@ -11374,7 +11374,7 @@
               </a:ln>
               <a:extLst>
                 <a:ext uri="{91240B29-F687-4f45-9708-019B960494DF}">
-                  <a14:hiddenLine xmlns="" xmlns:a14="http://schemas.microsoft.com/office/drawing/2010/main" w="9525">
+                  <a14:hiddenLine xmlns:a14="http://schemas.microsoft.com/office/drawing/2010/main" xmlns="" w="9525">
                     <a:solidFill>
                       <a:srgbClr val="000000"/>
                     </a:solidFill>
@@ -11439,7 +11439,7 @@
               </a:ln>
               <a:extLst>
                 <a:ext uri="{91240B29-F687-4f45-9708-019B960494DF}">
-                  <a14:hiddenLine xmlns="" xmlns:a14="http://schemas.microsoft.com/office/drawing/2010/main" w="9525">
+                  <a14:hiddenLine xmlns:a14="http://schemas.microsoft.com/office/drawing/2010/main" xmlns="" w="9525">
                     <a:solidFill>
                       <a:srgbClr val="000000"/>
                     </a:solidFill>
@@ -11529,7 +11529,7 @@
               </a:ln>
               <a:extLst>
                 <a:ext uri="{91240B29-F687-4f45-9708-019B960494DF}">
-                  <a14:hiddenLine xmlns="" xmlns:a14="http://schemas.microsoft.com/office/drawing/2010/main" w="9525">
+                  <a14:hiddenLine xmlns:a14="http://schemas.microsoft.com/office/drawing/2010/main" xmlns="" w="9525">
                     <a:solidFill>
                       <a:srgbClr val="000000"/>
                     </a:solidFill>
@@ -11597,7 +11597,7 @@
               </a:ln>
               <a:extLst>
                 <a:ext uri="{91240B29-F687-4f45-9708-019B960494DF}">
-                  <a14:hiddenLine xmlns="" xmlns:a14="http://schemas.microsoft.com/office/drawing/2010/main" w="9525">
+                  <a14:hiddenLine xmlns:a14="http://schemas.microsoft.com/office/drawing/2010/main" xmlns="" w="9525">
                     <a:solidFill>
                       <a:srgbClr val="000000"/>
                     </a:solidFill>
@@ -11687,7 +11687,7 @@
               </a:ln>
               <a:extLst>
                 <a:ext uri="{91240B29-F687-4f45-9708-019B960494DF}">
-                  <a14:hiddenLine xmlns="" xmlns:a14="http://schemas.microsoft.com/office/drawing/2010/main" w="9525">
+                  <a14:hiddenLine xmlns:a14="http://schemas.microsoft.com/office/drawing/2010/main" xmlns="" w="9525">
                     <a:solidFill>
                       <a:srgbClr val="000000"/>
                     </a:solidFill>
@@ -11755,7 +11755,7 @@
               </a:ln>
               <a:extLst>
                 <a:ext uri="{91240B29-F687-4f45-9708-019B960494DF}">
-                  <a14:hiddenLine xmlns="" xmlns:a14="http://schemas.microsoft.com/office/drawing/2010/main" w="9525">
+                  <a14:hiddenLine xmlns:a14="http://schemas.microsoft.com/office/drawing/2010/main" xmlns="" w="9525">
                     <a:solidFill>
                       <a:srgbClr val="000000"/>
                     </a:solidFill>
@@ -11845,7 +11845,7 @@
               </a:ln>
               <a:extLst>
                 <a:ext uri="{91240B29-F687-4f45-9708-019B960494DF}">
-                  <a14:hiddenLine xmlns="" xmlns:a14="http://schemas.microsoft.com/office/drawing/2010/main" w="9525">
+                  <a14:hiddenLine xmlns:a14="http://schemas.microsoft.com/office/drawing/2010/main" xmlns="" w="9525">
                     <a:solidFill>
                       <a:srgbClr val="000000"/>
                     </a:solidFill>
@@ -11879,7 +11879,7 @@
               </a:ln>
               <a:extLst>
                 <a:ext uri="{91240B29-F687-4f45-9708-019B960494DF}">
-                  <a14:hiddenLine xmlns="" xmlns:a14="http://schemas.microsoft.com/office/drawing/2010/main" w="9525">
+                  <a14:hiddenLine xmlns:a14="http://schemas.microsoft.com/office/drawing/2010/main" xmlns="" w="9525">
                     <a:solidFill>
                       <a:srgbClr val="000000"/>
                     </a:solidFill>
@@ -12019,7 +12019,7 @@
           <a:p>
             <a:fld id="{3CC9CAF6-6A02-42B9-84CB-1B93AE3AA54A}" type="datetimeFigureOut">
               <a:rPr lang="de-DE" smtClean="0"/>
-              <a:t>21.04.2022</a:t>
+              <a:t>25.04.2022</a:t>
             </a:fld>
             <a:endParaRPr lang="de-DE"/>
           </a:p>
@@ -12592,7 +12592,7 @@
           <a:p>
             <a:r>
               <a:rPr lang="de-DE" dirty="0"/>
-              <a:t>Dieser Kann lesen oder lesen/schreiben</a:t>
+              <a:t>Dieser kann lesen oder lesen/schreiben</a:t>
             </a:r>
           </a:p>
           <a:p>
@@ -12611,10 +12611,9 @@
               <a:t>Sytem</a:t>
             </a:r>
             <a:r>
-              <a:rPr lang="de-DE"/>
+              <a:rPr lang="de-DE" dirty="0"/>
               <a:t>-Reboot gelöscht</a:t>
             </a:r>
-            <a:endParaRPr lang="de-DE" dirty="0"/>
           </a:p>
         </p:txBody>
       </p:sp>
@@ -12792,13 +12791,13 @@
         </p:nvSpPr>
         <p:spPr>
           <a:xfrm>
-            <a:off x="1141412" y="2249487"/>
-            <a:ext cx="9905999" cy="4275600"/>
+            <a:off x="921265" y="1894380"/>
+            <a:ext cx="10346293" cy="4275600"/>
           </a:xfrm>
         </p:spPr>
         <p:txBody>
           <a:bodyPr>
-            <a:normAutofit lnSpcReduction="10000"/>
+            <a:normAutofit/>
           </a:bodyPr>
           <a:lstStyle/>
           <a:p>
@@ -12853,7 +12852,7 @@
             </a:r>
             <a:r>
               <a:rPr lang="de-DE" dirty="0"/>
-              <a:t>, Backend: Mair, Schneider</a:t>
+              <a:t>, Backend: Mair, Schneider (Gesamt ca. 8-12h ohne Puffer)</a:t>
             </a:r>
           </a:p>
         </p:txBody>

--- a/Vorstellung.pptx
+++ b/Vorstellung.pptx
@@ -115,6 +115,35 @@
 </p:presentation>
 </file>
 
+<file path=ppt/changesInfos/changesInfo1.xml><?xml version="1.0" encoding="utf-8"?>
+<pc:chgInfo xmlns:a="http://schemas.openxmlformats.org/drawingml/2006/main" xmlns:r="http://schemas.openxmlformats.org/officeDocument/2006/relationships" xmlns:ac="http://schemas.microsoft.com/office/drawing/2013/main/command" xmlns:pc="http://schemas.microsoft.com/office/powerpoint/2013/main/command">
+  <pc:docChgLst>
+    <pc:chgData name="Schneider Georg, SchülerIn" userId="b5cebc68-a105-446e-b3aa-5764884a4fb2" providerId="ADAL" clId="{5C30C63E-8E7A-4504-A6C3-C100145F7E39}"/>
+    <pc:docChg chg="modSld">
+      <pc:chgData name="Schneider Georg, SchülerIn" userId="b5cebc68-a105-446e-b3aa-5764884a4fb2" providerId="ADAL" clId="{5C30C63E-8E7A-4504-A6C3-C100145F7E39}" dt="2022-04-26T07:31:08.498" v="35" actId="20577"/>
+      <pc:docMkLst>
+        <pc:docMk/>
+      </pc:docMkLst>
+      <pc:sldChg chg="modSp mod">
+        <pc:chgData name="Schneider Georg, SchülerIn" userId="b5cebc68-a105-446e-b3aa-5764884a4fb2" providerId="ADAL" clId="{5C30C63E-8E7A-4504-A6C3-C100145F7E39}" dt="2022-04-26T07:31:08.498" v="35" actId="20577"/>
+        <pc:sldMkLst>
+          <pc:docMk/>
+          <pc:sldMk cId="4173580658" sldId="259"/>
+        </pc:sldMkLst>
+        <pc:spChg chg="mod">
+          <ac:chgData name="Schneider Georg, SchülerIn" userId="b5cebc68-a105-446e-b3aa-5764884a4fb2" providerId="ADAL" clId="{5C30C63E-8E7A-4504-A6C3-C100145F7E39}" dt="2022-04-26T07:31:08.498" v="35" actId="20577"/>
+          <ac:spMkLst>
+            <pc:docMk/>
+            <pc:sldMk cId="4173580658" sldId="259"/>
+            <ac:spMk id="2" creationId="{0D54D044-BCDA-4D8F-A5FE-FC6F017F8A91}"/>
+          </ac:spMkLst>
+        </pc:spChg>
+      </pc:sldChg>
+    </pc:docChg>
+  </pc:docChgLst>
+</pc:chgInfo>
+</file>
+
 <file path=ppt/slideLayouts/slideLayout1.xml><?xml version="1.0" encoding="utf-8"?>
 <p:sldLayout xmlns:a="http://schemas.openxmlformats.org/drawingml/2006/main" xmlns:r="http://schemas.openxmlformats.org/officeDocument/2006/relationships" xmlns:p="http://schemas.openxmlformats.org/presentationml/2006/main" showMasterSp="0" type="title" preserve="1">
   <p:cSld name="Titelfolie">
@@ -165,7 +194,7 @@
           <a:noFill/>
           <a:extLst>
             <a:ext uri="{909E8E84-426E-40dd-AFC4-6F175D3DCCD1}">
-              <a14:hiddenFill xmlns:a14="http://schemas.microsoft.com/office/drawing/2010/main" xmlns="">
+              <a14:hiddenFill xmlns="" xmlns:a14="http://schemas.microsoft.com/office/drawing/2010/main">
                 <a:solidFill>
                   <a:srgbClr val="FFFFFF"/>
                 </a:solidFill>
@@ -225,7 +254,7 @@
             </a:ln>
             <a:extLst>
               <a:ext uri="{91240B29-F687-4f45-9708-019B960494DF}">
-                <a14:hiddenLine xmlns:a14="http://schemas.microsoft.com/office/drawing/2010/main" xmlns="" w="9525">
+                <a14:hiddenLine xmlns="" xmlns:a14="http://schemas.microsoft.com/office/drawing/2010/main" w="9525">
                   <a:solidFill>
                     <a:srgbClr val="000000"/>
                   </a:solidFill>
@@ -315,7 +344,7 @@
             </a:ln>
             <a:extLst>
               <a:ext uri="{91240B29-F687-4f45-9708-019B960494DF}">
-                <a14:hiddenLine xmlns:a14="http://schemas.microsoft.com/office/drawing/2010/main" xmlns="" w="9525">
+                <a14:hiddenLine xmlns="" xmlns:a14="http://schemas.microsoft.com/office/drawing/2010/main" w="9525">
                   <a:solidFill>
                     <a:srgbClr val="000000"/>
                   </a:solidFill>
@@ -405,7 +434,7 @@
             </a:ln>
             <a:extLst>
               <a:ext uri="{91240B29-F687-4f45-9708-019B960494DF}">
-                <a14:hiddenLine xmlns:a14="http://schemas.microsoft.com/office/drawing/2010/main" xmlns="" w="9525">
+                <a14:hiddenLine xmlns="" xmlns:a14="http://schemas.microsoft.com/office/drawing/2010/main" w="9525">
                   <a:solidFill>
                     <a:srgbClr val="000000"/>
                   </a:solidFill>
@@ -439,7 +468,7 @@
             </a:ln>
             <a:extLst>
               <a:ext uri="{91240B29-F687-4f45-9708-019B960494DF}">
-                <a14:hiddenLine xmlns:a14="http://schemas.microsoft.com/office/drawing/2010/main" xmlns="" w="9525">
+                <a14:hiddenLine xmlns="" xmlns:a14="http://schemas.microsoft.com/office/drawing/2010/main" w="9525">
                   <a:solidFill>
                     <a:srgbClr val="000000"/>
                   </a:solidFill>
@@ -529,7 +558,7 @@
             </a:ln>
             <a:extLst>
               <a:ext uri="{91240B29-F687-4f45-9708-019B960494DF}">
-                <a14:hiddenLine xmlns:a14="http://schemas.microsoft.com/office/drawing/2010/main" xmlns="" w="9525">
+                <a14:hiddenLine xmlns="" xmlns:a14="http://schemas.microsoft.com/office/drawing/2010/main" w="9525">
                   <a:solidFill>
                     <a:srgbClr val="000000"/>
                   </a:solidFill>
@@ -591,7 +620,7 @@
             </a:ln>
             <a:extLst>
               <a:ext uri="{91240B29-F687-4f45-9708-019B960494DF}">
-                <a14:hiddenLine xmlns:a14="http://schemas.microsoft.com/office/drawing/2010/main" xmlns="" w="9525">
+                <a14:hiddenLine xmlns="" xmlns:a14="http://schemas.microsoft.com/office/drawing/2010/main" w="9525">
                   <a:solidFill>
                     <a:srgbClr val="000000"/>
                   </a:solidFill>
@@ -653,7 +682,7 @@
             </a:ln>
             <a:extLst>
               <a:ext uri="{91240B29-F687-4f45-9708-019B960494DF}">
-                <a14:hiddenLine xmlns:a14="http://schemas.microsoft.com/office/drawing/2010/main" xmlns="" w="9525">
+                <a14:hiddenLine xmlns="" xmlns:a14="http://schemas.microsoft.com/office/drawing/2010/main" w="9525">
                   <a:solidFill>
                     <a:srgbClr val="000000"/>
                   </a:solidFill>
@@ -743,7 +772,7 @@
             </a:ln>
             <a:extLst>
               <a:ext uri="{91240B29-F687-4f45-9708-019B960494DF}">
-                <a14:hiddenLine xmlns:a14="http://schemas.microsoft.com/office/drawing/2010/main" xmlns="" w="9525">
+                <a14:hiddenLine xmlns="" xmlns:a14="http://schemas.microsoft.com/office/drawing/2010/main" w="9525">
                   <a:solidFill>
                     <a:srgbClr val="000000"/>
                   </a:solidFill>
@@ -805,7 +834,7 @@
             </a:ln>
             <a:extLst>
               <a:ext uri="{91240B29-F687-4f45-9708-019B960494DF}">
-                <a14:hiddenLine xmlns:a14="http://schemas.microsoft.com/office/drawing/2010/main" xmlns="" w="9525">
+                <a14:hiddenLine xmlns="" xmlns:a14="http://schemas.microsoft.com/office/drawing/2010/main" w="9525">
                   <a:solidFill>
                     <a:srgbClr val="000000"/>
                   </a:solidFill>
@@ -867,7 +896,7 @@
             </a:ln>
             <a:extLst>
               <a:ext uri="{91240B29-F687-4f45-9708-019B960494DF}">
-                <a14:hiddenLine xmlns:a14="http://schemas.microsoft.com/office/drawing/2010/main" xmlns="" w="9525">
+                <a14:hiddenLine xmlns="" xmlns:a14="http://schemas.microsoft.com/office/drawing/2010/main" w="9525">
                   <a:solidFill>
                     <a:srgbClr val="000000"/>
                   </a:solidFill>
@@ -957,7 +986,7 @@
             </a:ln>
             <a:extLst>
               <a:ext uri="{91240B29-F687-4f45-9708-019B960494DF}">
-                <a14:hiddenLine xmlns:a14="http://schemas.microsoft.com/office/drawing/2010/main" xmlns="" w="9525">
+                <a14:hiddenLine xmlns="" xmlns:a14="http://schemas.microsoft.com/office/drawing/2010/main" w="9525">
                   <a:solidFill>
                     <a:srgbClr val="000000"/>
                   </a:solidFill>
@@ -1047,7 +1076,7 @@
             </a:ln>
             <a:extLst>
               <a:ext uri="{91240B29-F687-4f45-9708-019B960494DF}">
-                <a14:hiddenLine xmlns:a14="http://schemas.microsoft.com/office/drawing/2010/main" xmlns="" w="9525">
+                <a14:hiddenLine xmlns="" xmlns:a14="http://schemas.microsoft.com/office/drawing/2010/main" w="9525">
                   <a:solidFill>
                     <a:srgbClr val="000000"/>
                   </a:solidFill>
@@ -1109,7 +1138,7 @@
             </a:ln>
             <a:extLst>
               <a:ext uri="{91240B29-F687-4f45-9708-019B960494DF}">
-                <a14:hiddenLine xmlns:a14="http://schemas.microsoft.com/office/drawing/2010/main" xmlns="" w="9525">
+                <a14:hiddenLine xmlns="" xmlns:a14="http://schemas.microsoft.com/office/drawing/2010/main" w="9525">
                   <a:solidFill>
                     <a:srgbClr val="000000"/>
                   </a:solidFill>
@@ -1219,7 +1248,7 @@
             </a:ln>
             <a:extLst>
               <a:ext uri="{91240B29-F687-4f45-9708-019B960494DF}">
-                <a14:hiddenLine xmlns:a14="http://schemas.microsoft.com/office/drawing/2010/main" xmlns="" w="9525">
+                <a14:hiddenLine xmlns="" xmlns:a14="http://schemas.microsoft.com/office/drawing/2010/main" w="9525">
                   <a:solidFill>
                     <a:srgbClr val="000000"/>
                   </a:solidFill>
@@ -1281,7 +1310,7 @@
             </a:ln>
             <a:extLst>
               <a:ext uri="{91240B29-F687-4f45-9708-019B960494DF}">
-                <a14:hiddenLine xmlns:a14="http://schemas.microsoft.com/office/drawing/2010/main" xmlns="" w="9525">
+                <a14:hiddenLine xmlns="" xmlns:a14="http://schemas.microsoft.com/office/drawing/2010/main" w="9525">
                   <a:solidFill>
                     <a:srgbClr val="000000"/>
                   </a:solidFill>
@@ -1371,7 +1400,7 @@
             </a:ln>
             <a:extLst>
               <a:ext uri="{91240B29-F687-4f45-9708-019B960494DF}">
-                <a14:hiddenLine xmlns:a14="http://schemas.microsoft.com/office/drawing/2010/main" xmlns="" w="9525">
+                <a14:hiddenLine xmlns="" xmlns:a14="http://schemas.microsoft.com/office/drawing/2010/main" w="9525">
                   <a:solidFill>
                     <a:srgbClr val="000000"/>
                   </a:solidFill>
@@ -1461,7 +1490,7 @@
             </a:ln>
             <a:extLst>
               <a:ext uri="{91240B29-F687-4f45-9708-019B960494DF}">
-                <a14:hiddenLine xmlns:a14="http://schemas.microsoft.com/office/drawing/2010/main" xmlns="" w="9525">
+                <a14:hiddenLine xmlns="" xmlns:a14="http://schemas.microsoft.com/office/drawing/2010/main" w="9525">
                   <a:solidFill>
                     <a:srgbClr val="000000"/>
                   </a:solidFill>
@@ -1523,7 +1552,7 @@
             </a:ln>
             <a:extLst>
               <a:ext uri="{91240B29-F687-4f45-9708-019B960494DF}">
-                <a14:hiddenLine xmlns:a14="http://schemas.microsoft.com/office/drawing/2010/main" xmlns="" w="9525">
+                <a14:hiddenLine xmlns="" xmlns:a14="http://schemas.microsoft.com/office/drawing/2010/main" w="9525">
                   <a:solidFill>
                     <a:srgbClr val="000000"/>
                   </a:solidFill>
@@ -1613,7 +1642,7 @@
             </a:ln>
             <a:extLst>
               <a:ext uri="{91240B29-F687-4f45-9708-019B960494DF}">
-                <a14:hiddenLine xmlns:a14="http://schemas.microsoft.com/office/drawing/2010/main" xmlns="" w="9525">
+                <a14:hiddenLine xmlns="" xmlns:a14="http://schemas.microsoft.com/office/drawing/2010/main" w="9525">
                   <a:solidFill>
                     <a:srgbClr val="000000"/>
                   </a:solidFill>
@@ -1703,7 +1732,7 @@
             </a:ln>
             <a:extLst>
               <a:ext uri="{91240B29-F687-4f45-9708-019B960494DF}">
-                <a14:hiddenLine xmlns:a14="http://schemas.microsoft.com/office/drawing/2010/main" xmlns="" w="9525">
+                <a14:hiddenLine xmlns="" xmlns:a14="http://schemas.microsoft.com/office/drawing/2010/main" w="9525">
                   <a:solidFill>
                     <a:srgbClr val="000000"/>
                   </a:solidFill>
@@ -1759,7 +1788,7 @@
             </a:ln>
             <a:extLst>
               <a:ext uri="{91240B29-F687-4f45-9708-019B960494DF}">
-                <a14:hiddenLine xmlns:a14="http://schemas.microsoft.com/office/drawing/2010/main" xmlns="" w="9525">
+                <a14:hiddenLine xmlns="" xmlns:a14="http://schemas.microsoft.com/office/drawing/2010/main" w="9525">
                   <a:solidFill>
                     <a:srgbClr val="000000"/>
                   </a:solidFill>
@@ -1849,7 +1878,7 @@
             </a:ln>
             <a:extLst>
               <a:ext uri="{91240B29-F687-4f45-9708-019B960494DF}">
-                <a14:hiddenLine xmlns:a14="http://schemas.microsoft.com/office/drawing/2010/main" xmlns="" w="9525">
+                <a14:hiddenLine xmlns="" xmlns:a14="http://schemas.microsoft.com/office/drawing/2010/main" w="9525">
                   <a:solidFill>
                     <a:srgbClr val="000000"/>
                   </a:solidFill>
@@ -1905,7 +1934,7 @@
             </a:ln>
             <a:extLst>
               <a:ext uri="{91240B29-F687-4f45-9708-019B960494DF}">
-                <a14:hiddenLine xmlns:a14="http://schemas.microsoft.com/office/drawing/2010/main" xmlns="" w="9525">
+                <a14:hiddenLine xmlns="" xmlns:a14="http://schemas.microsoft.com/office/drawing/2010/main" w="9525">
                   <a:solidFill>
                     <a:srgbClr val="000000"/>
                   </a:solidFill>
@@ -1995,7 +2024,7 @@
             </a:ln>
             <a:extLst>
               <a:ext uri="{91240B29-F687-4f45-9708-019B960494DF}">
-                <a14:hiddenLine xmlns:a14="http://schemas.microsoft.com/office/drawing/2010/main" xmlns="" w="9525">
+                <a14:hiddenLine xmlns="" xmlns:a14="http://schemas.microsoft.com/office/drawing/2010/main" w="9525">
                   <a:solidFill>
                     <a:srgbClr val="000000"/>
                   </a:solidFill>
@@ -2063,7 +2092,7 @@
             </a:ln>
             <a:extLst>
               <a:ext uri="{91240B29-F687-4f45-9708-019B960494DF}">
-                <a14:hiddenLine xmlns:a14="http://schemas.microsoft.com/office/drawing/2010/main" xmlns="" w="9525">
+                <a14:hiddenLine xmlns="" xmlns:a14="http://schemas.microsoft.com/office/drawing/2010/main" w="9525">
                   <a:solidFill>
                     <a:srgbClr val="000000"/>
                   </a:solidFill>
@@ -2153,7 +2182,7 @@
             </a:ln>
             <a:extLst>
               <a:ext uri="{91240B29-F687-4f45-9708-019B960494DF}">
-                <a14:hiddenLine xmlns:a14="http://schemas.microsoft.com/office/drawing/2010/main" xmlns="" w="9525">
+                <a14:hiddenLine xmlns="" xmlns:a14="http://schemas.microsoft.com/office/drawing/2010/main" w="9525">
                   <a:solidFill>
                     <a:srgbClr val="000000"/>
                   </a:solidFill>
@@ -2221,7 +2250,7 @@
             </a:ln>
             <a:extLst>
               <a:ext uri="{91240B29-F687-4f45-9708-019B960494DF}">
-                <a14:hiddenLine xmlns:a14="http://schemas.microsoft.com/office/drawing/2010/main" xmlns="" w="9525">
+                <a14:hiddenLine xmlns="" xmlns:a14="http://schemas.microsoft.com/office/drawing/2010/main" w="9525">
                   <a:solidFill>
                     <a:srgbClr val="000000"/>
                   </a:solidFill>
@@ -2311,7 +2340,7 @@
             </a:ln>
             <a:extLst>
               <a:ext uri="{91240B29-F687-4f45-9708-019B960494DF}">
-                <a14:hiddenLine xmlns:a14="http://schemas.microsoft.com/office/drawing/2010/main" xmlns="" w="9525">
+                <a14:hiddenLine xmlns="" xmlns:a14="http://schemas.microsoft.com/office/drawing/2010/main" w="9525">
                   <a:solidFill>
                     <a:srgbClr val="000000"/>
                   </a:solidFill>
@@ -2345,7 +2374,7 @@
             </a:ln>
             <a:extLst>
               <a:ext uri="{91240B29-F687-4f45-9708-019B960494DF}">
-                <a14:hiddenLine xmlns:a14="http://schemas.microsoft.com/office/drawing/2010/main" xmlns="" w="9525">
+                <a14:hiddenLine xmlns="" xmlns:a14="http://schemas.microsoft.com/office/drawing/2010/main" w="9525">
                   <a:solidFill>
                     <a:srgbClr val="000000"/>
                   </a:solidFill>
@@ -2435,7 +2464,7 @@
             </a:ln>
             <a:extLst>
               <a:ext uri="{91240B29-F687-4f45-9708-019B960494DF}">
-                <a14:hiddenLine xmlns:a14="http://schemas.microsoft.com/office/drawing/2010/main" xmlns="" w="9525">
+                <a14:hiddenLine xmlns="" xmlns:a14="http://schemas.microsoft.com/office/drawing/2010/main" w="9525">
                   <a:solidFill>
                     <a:srgbClr val="000000"/>
                   </a:solidFill>
@@ -2497,7 +2526,7 @@
             </a:ln>
             <a:extLst>
               <a:ext uri="{91240B29-F687-4f45-9708-019B960494DF}">
-                <a14:hiddenLine xmlns:a14="http://schemas.microsoft.com/office/drawing/2010/main" xmlns="" w="9525">
+                <a14:hiddenLine xmlns="" xmlns:a14="http://schemas.microsoft.com/office/drawing/2010/main" w="9525">
                   <a:solidFill>
                     <a:srgbClr val="000000"/>
                   </a:solidFill>
@@ -2559,7 +2588,7 @@
             </a:ln>
             <a:extLst>
               <a:ext uri="{91240B29-F687-4f45-9708-019B960494DF}">
-                <a14:hiddenLine xmlns:a14="http://schemas.microsoft.com/office/drawing/2010/main" xmlns="" w="9525">
+                <a14:hiddenLine xmlns="" xmlns:a14="http://schemas.microsoft.com/office/drawing/2010/main" w="9525">
                   <a:solidFill>
                     <a:srgbClr val="000000"/>
                   </a:solidFill>
@@ -2649,7 +2678,7 @@
             </a:ln>
             <a:extLst>
               <a:ext uri="{91240B29-F687-4f45-9708-019B960494DF}">
-                <a14:hiddenLine xmlns:a14="http://schemas.microsoft.com/office/drawing/2010/main" xmlns="" w="9525">
+                <a14:hiddenLine xmlns="" xmlns:a14="http://schemas.microsoft.com/office/drawing/2010/main" w="9525">
                   <a:solidFill>
                     <a:srgbClr val="000000"/>
                   </a:solidFill>
@@ -2717,7 +2746,7 @@
             </a:ln>
             <a:extLst>
               <a:ext uri="{91240B29-F687-4f45-9708-019B960494DF}">
-                <a14:hiddenLine xmlns:a14="http://schemas.microsoft.com/office/drawing/2010/main" xmlns="" w="9525">
+                <a14:hiddenLine xmlns="" xmlns:a14="http://schemas.microsoft.com/office/drawing/2010/main" w="9525">
                   <a:solidFill>
                     <a:srgbClr val="000000"/>
                   </a:solidFill>
@@ -2779,7 +2808,7 @@
             </a:ln>
             <a:extLst>
               <a:ext uri="{91240B29-F687-4f45-9708-019B960494DF}">
-                <a14:hiddenLine xmlns:a14="http://schemas.microsoft.com/office/drawing/2010/main" xmlns="" w="9525">
+                <a14:hiddenLine xmlns="" xmlns:a14="http://schemas.microsoft.com/office/drawing/2010/main" w="9525">
                   <a:solidFill>
                     <a:srgbClr val="000000"/>
                   </a:solidFill>
@@ -2869,7 +2898,7 @@
             </a:ln>
             <a:extLst>
               <a:ext uri="{91240B29-F687-4f45-9708-019B960494DF}">
-                <a14:hiddenLine xmlns:a14="http://schemas.microsoft.com/office/drawing/2010/main" xmlns="" w="9525">
+                <a14:hiddenLine xmlns="" xmlns:a14="http://schemas.microsoft.com/office/drawing/2010/main" w="9525">
                   <a:solidFill>
                     <a:srgbClr val="000000"/>
                   </a:solidFill>
@@ -2931,7 +2960,7 @@
             </a:ln>
             <a:extLst>
               <a:ext uri="{91240B29-F687-4f45-9708-019B960494DF}">
-                <a14:hiddenLine xmlns:a14="http://schemas.microsoft.com/office/drawing/2010/main" xmlns="" w="9525">
+                <a14:hiddenLine xmlns="" xmlns:a14="http://schemas.microsoft.com/office/drawing/2010/main" w="9525">
                   <a:solidFill>
                     <a:srgbClr val="000000"/>
                   </a:solidFill>
@@ -3021,7 +3050,7 @@
             </a:ln>
             <a:extLst>
               <a:ext uri="{91240B29-F687-4f45-9708-019B960494DF}">
-                <a14:hiddenLine xmlns:a14="http://schemas.microsoft.com/office/drawing/2010/main" xmlns="" w="9525">
+                <a14:hiddenLine xmlns="" xmlns:a14="http://schemas.microsoft.com/office/drawing/2010/main" w="9525">
                   <a:solidFill>
                     <a:srgbClr val="000000"/>
                   </a:solidFill>
@@ -3083,7 +3112,7 @@
             </a:ln>
             <a:extLst>
               <a:ext uri="{91240B29-F687-4f45-9708-019B960494DF}">
-                <a14:hiddenLine xmlns:a14="http://schemas.microsoft.com/office/drawing/2010/main" xmlns="" w="9525">
+                <a14:hiddenLine xmlns="" xmlns:a14="http://schemas.microsoft.com/office/drawing/2010/main" w="9525">
                   <a:solidFill>
                     <a:srgbClr val="000000"/>
                   </a:solidFill>
@@ -3173,7 +3202,7 @@
             </a:ln>
             <a:extLst>
               <a:ext uri="{91240B29-F687-4f45-9708-019B960494DF}">
-                <a14:hiddenLine xmlns:a14="http://schemas.microsoft.com/office/drawing/2010/main" xmlns="" w="9525">
+                <a14:hiddenLine xmlns="" xmlns:a14="http://schemas.microsoft.com/office/drawing/2010/main" w="9525">
                   <a:solidFill>
                     <a:srgbClr val="000000"/>
                   </a:solidFill>
@@ -3207,7 +3236,7 @@
             </a:ln>
             <a:extLst>
               <a:ext uri="{91240B29-F687-4f45-9708-019B960494DF}">
-                <a14:hiddenLine xmlns:a14="http://schemas.microsoft.com/office/drawing/2010/main" xmlns="" w="9525">
+                <a14:hiddenLine xmlns="" xmlns:a14="http://schemas.microsoft.com/office/drawing/2010/main" w="9525">
                   <a:solidFill>
                     <a:srgbClr val="000000"/>
                   </a:solidFill>
@@ -3272,7 +3301,7 @@
             </a:ln>
             <a:extLst>
               <a:ext uri="{91240B29-F687-4f45-9708-019B960494DF}">
-                <a14:hiddenLine xmlns:a14="http://schemas.microsoft.com/office/drawing/2010/main" xmlns="" w="9525">
+                <a14:hiddenLine xmlns="" xmlns:a14="http://schemas.microsoft.com/office/drawing/2010/main" w="9525">
                   <a:solidFill>
                     <a:srgbClr val="000000"/>
                   </a:solidFill>
@@ -3362,7 +3391,7 @@
             </a:ln>
             <a:extLst>
               <a:ext uri="{91240B29-F687-4f45-9708-019B960494DF}">
-                <a14:hiddenLine xmlns:a14="http://schemas.microsoft.com/office/drawing/2010/main" xmlns="" w="9525">
+                <a14:hiddenLine xmlns="" xmlns:a14="http://schemas.microsoft.com/office/drawing/2010/main" w="9525">
                   <a:solidFill>
                     <a:srgbClr val="000000"/>
                   </a:solidFill>
@@ -3424,7 +3453,7 @@
             </a:ln>
             <a:extLst>
               <a:ext uri="{91240B29-F687-4f45-9708-019B960494DF}">
-                <a14:hiddenLine xmlns:a14="http://schemas.microsoft.com/office/drawing/2010/main" xmlns="" w="9525">
+                <a14:hiddenLine xmlns="" xmlns:a14="http://schemas.microsoft.com/office/drawing/2010/main" w="9525">
                   <a:solidFill>
                     <a:srgbClr val="000000"/>
                   </a:solidFill>
@@ -3514,7 +3543,7 @@
             </a:ln>
             <a:extLst>
               <a:ext uri="{91240B29-F687-4f45-9708-019B960494DF}">
-                <a14:hiddenLine xmlns:a14="http://schemas.microsoft.com/office/drawing/2010/main" xmlns="" w="9525">
+                <a14:hiddenLine xmlns="" xmlns:a14="http://schemas.microsoft.com/office/drawing/2010/main" w="9525">
                   <a:solidFill>
                     <a:srgbClr val="000000"/>
                   </a:solidFill>
@@ -3604,7 +3633,7 @@
             </a:ln>
             <a:extLst>
               <a:ext uri="{91240B29-F687-4f45-9708-019B960494DF}">
-                <a14:hiddenLine xmlns:a14="http://schemas.microsoft.com/office/drawing/2010/main" xmlns="" w="9525">
+                <a14:hiddenLine xmlns="" xmlns:a14="http://schemas.microsoft.com/office/drawing/2010/main" w="9525">
                   <a:solidFill>
                     <a:srgbClr val="000000"/>
                   </a:solidFill>
@@ -3669,7 +3698,7 @@
             </a:ln>
             <a:extLst>
               <a:ext uri="{91240B29-F687-4f45-9708-019B960494DF}">
-                <a14:hiddenLine xmlns:a14="http://schemas.microsoft.com/office/drawing/2010/main" xmlns="" w="9525">
+                <a14:hiddenLine xmlns="" xmlns:a14="http://schemas.microsoft.com/office/drawing/2010/main" w="9525">
                   <a:solidFill>
                     <a:srgbClr val="000000"/>
                   </a:solidFill>
@@ -3731,7 +3760,7 @@
             </a:ln>
             <a:extLst>
               <a:ext uri="{91240B29-F687-4f45-9708-019B960494DF}">
-                <a14:hiddenLine xmlns:a14="http://schemas.microsoft.com/office/drawing/2010/main" xmlns="" w="9525">
+                <a14:hiddenLine xmlns="" xmlns:a14="http://schemas.microsoft.com/office/drawing/2010/main" w="9525">
                   <a:solidFill>
                     <a:srgbClr val="000000"/>
                   </a:solidFill>
@@ -3821,7 +3850,7 @@
             </a:ln>
             <a:extLst>
               <a:ext uri="{91240B29-F687-4f45-9708-019B960494DF}">
-                <a14:hiddenLine xmlns:a14="http://schemas.microsoft.com/office/drawing/2010/main" xmlns="" w="9525">
+                <a14:hiddenLine xmlns="" xmlns:a14="http://schemas.microsoft.com/office/drawing/2010/main" w="9525">
                   <a:solidFill>
                     <a:srgbClr val="000000"/>
                   </a:solidFill>
@@ -3911,7 +3940,7 @@
             </a:ln>
             <a:extLst>
               <a:ext uri="{91240B29-F687-4f45-9708-019B960494DF}">
-                <a14:hiddenLine xmlns:a14="http://schemas.microsoft.com/office/drawing/2010/main" xmlns="" w="9525">
+                <a14:hiddenLine xmlns="" xmlns:a14="http://schemas.microsoft.com/office/drawing/2010/main" w="9525">
                   <a:solidFill>
                     <a:srgbClr val="000000"/>
                   </a:solidFill>
@@ -3973,7 +4002,7 @@
             </a:ln>
             <a:extLst>
               <a:ext uri="{91240B29-F687-4f45-9708-019B960494DF}">
-                <a14:hiddenLine xmlns:a14="http://schemas.microsoft.com/office/drawing/2010/main" xmlns="" w="9525">
+                <a14:hiddenLine xmlns="" xmlns:a14="http://schemas.microsoft.com/office/drawing/2010/main" w="9525">
                   <a:solidFill>
                     <a:srgbClr val="000000"/>
                   </a:solidFill>
@@ -4093,7 +4122,7 @@
             </a:ln>
             <a:extLst>
               <a:ext uri="{91240B29-F687-4f45-9708-019B960494DF}">
-                <a14:hiddenLine xmlns:a14="http://schemas.microsoft.com/office/drawing/2010/main" xmlns="" w="9525">
+                <a14:hiddenLine xmlns="" xmlns:a14="http://schemas.microsoft.com/office/drawing/2010/main" w="9525">
                   <a:solidFill>
                     <a:srgbClr val="000000"/>
                   </a:solidFill>
@@ -4161,7 +4190,7 @@
             </a:ln>
             <a:extLst>
               <a:ext uri="{91240B29-F687-4f45-9708-019B960494DF}">
-                <a14:hiddenLine xmlns:a14="http://schemas.microsoft.com/office/drawing/2010/main" xmlns="" w="9525">
+                <a14:hiddenLine xmlns="" xmlns:a14="http://schemas.microsoft.com/office/drawing/2010/main" w="9525">
                   <a:solidFill>
                     <a:srgbClr val="000000"/>
                   </a:solidFill>
@@ -4251,7 +4280,7 @@
             </a:ln>
             <a:extLst>
               <a:ext uri="{91240B29-F687-4f45-9708-019B960494DF}">
-                <a14:hiddenLine xmlns:a14="http://schemas.microsoft.com/office/drawing/2010/main" xmlns="" w="9525">
+                <a14:hiddenLine xmlns="" xmlns:a14="http://schemas.microsoft.com/office/drawing/2010/main" w="9525">
                   <a:solidFill>
                     <a:srgbClr val="000000"/>
                   </a:solidFill>
@@ -4391,7 +4420,7 @@
           <a:p>
             <a:fld id="{3CC9CAF6-6A02-42B9-84CB-1B93AE3AA54A}" type="datetimeFigureOut">
               <a:rPr lang="de-DE" smtClean="0"/>
-              <a:t>25.04.2022</a:t>
+              <a:t>26.04.2022</a:t>
             </a:fld>
             <a:endParaRPr lang="de-DE"/>
           </a:p>
@@ -4658,7 +4687,7 @@
           <a:p>
             <a:fld id="{3CC9CAF6-6A02-42B9-84CB-1B93AE3AA54A}" type="datetimeFigureOut">
               <a:rPr lang="de-DE" smtClean="0"/>
-              <a:t>25.04.2022</a:t>
+              <a:t>26.04.2022</a:t>
             </a:fld>
             <a:endParaRPr lang="de-DE"/>
           </a:p>
@@ -4854,7 +4883,7 @@
           <a:p>
             <a:fld id="{3CC9CAF6-6A02-42B9-84CB-1B93AE3AA54A}" type="datetimeFigureOut">
               <a:rPr lang="de-DE" smtClean="0"/>
-              <a:t>25.04.2022</a:t>
+              <a:t>26.04.2022</a:t>
             </a:fld>
             <a:endParaRPr lang="de-DE"/>
           </a:p>
@@ -5117,7 +5146,7 @@
           <a:p>
             <a:fld id="{3CC9CAF6-6A02-42B9-84CB-1B93AE3AA54A}" type="datetimeFigureOut">
               <a:rPr lang="de-DE" smtClean="0"/>
-              <a:t>25.04.2022</a:t>
+              <a:t>26.04.2022</a:t>
             </a:fld>
             <a:endParaRPr lang="de-DE"/>
           </a:p>
@@ -5551,7 +5580,7 @@
           <a:p>
             <a:fld id="{3CC9CAF6-6A02-42B9-84CB-1B93AE3AA54A}" type="datetimeFigureOut">
               <a:rPr lang="de-DE" smtClean="0"/>
-              <a:t>25.04.2022</a:t>
+              <a:t>26.04.2022</a:t>
             </a:fld>
             <a:endParaRPr lang="de-DE"/>
           </a:p>
@@ -6097,7 +6126,7 @@
           <a:p>
             <a:fld id="{3CC9CAF6-6A02-42B9-84CB-1B93AE3AA54A}" type="datetimeFigureOut">
               <a:rPr lang="de-DE" smtClean="0"/>
-              <a:t>25.04.2022</a:t>
+              <a:t>26.04.2022</a:t>
             </a:fld>
             <a:endParaRPr lang="de-DE"/>
           </a:p>
@@ -6817,7 +6846,7 @@
           <a:p>
             <a:fld id="{3CC9CAF6-6A02-42B9-84CB-1B93AE3AA54A}" type="datetimeFigureOut">
               <a:rPr lang="de-DE" smtClean="0"/>
-              <a:t>25.04.2022</a:t>
+              <a:t>26.04.2022</a:t>
             </a:fld>
             <a:endParaRPr lang="de-DE"/>
           </a:p>
@@ -6987,7 +7016,7 @@
           <a:p>
             <a:fld id="{3CC9CAF6-6A02-42B9-84CB-1B93AE3AA54A}" type="datetimeFigureOut">
               <a:rPr lang="de-DE" smtClean="0"/>
-              <a:t>25.04.2022</a:t>
+              <a:t>26.04.2022</a:t>
             </a:fld>
             <a:endParaRPr lang="de-DE"/>
           </a:p>
@@ -7167,7 +7196,7 @@
           <a:p>
             <a:fld id="{3CC9CAF6-6A02-42B9-84CB-1B93AE3AA54A}" type="datetimeFigureOut">
               <a:rPr lang="de-DE" smtClean="0"/>
-              <a:t>25.04.2022</a:t>
+              <a:t>26.04.2022</a:t>
             </a:fld>
             <a:endParaRPr lang="de-DE"/>
           </a:p>
@@ -7337,7 +7366,7 @@
           <a:p>
             <a:fld id="{3CC9CAF6-6A02-42B9-84CB-1B93AE3AA54A}" type="datetimeFigureOut">
               <a:rPr lang="de-DE" smtClean="0"/>
-              <a:t>25.04.2022</a:t>
+              <a:t>26.04.2022</a:t>
             </a:fld>
             <a:endParaRPr lang="de-DE"/>
           </a:p>
@@ -7587,7 +7616,7 @@
           <a:p>
             <a:fld id="{3CC9CAF6-6A02-42B9-84CB-1B93AE3AA54A}" type="datetimeFigureOut">
               <a:rPr lang="de-DE" smtClean="0"/>
-              <a:t>25.04.2022</a:t>
+              <a:t>26.04.2022</a:t>
             </a:fld>
             <a:endParaRPr lang="de-DE"/>
           </a:p>
@@ -7819,7 +7848,7 @@
           <a:p>
             <a:fld id="{3CC9CAF6-6A02-42B9-84CB-1B93AE3AA54A}" type="datetimeFigureOut">
               <a:rPr lang="de-DE" smtClean="0"/>
-              <a:t>25.04.2022</a:t>
+              <a:t>26.04.2022</a:t>
             </a:fld>
             <a:endParaRPr lang="de-DE"/>
           </a:p>
@@ -8200,7 +8229,7 @@
           <a:p>
             <a:fld id="{3CC9CAF6-6A02-42B9-84CB-1B93AE3AA54A}" type="datetimeFigureOut">
               <a:rPr lang="de-DE" smtClean="0"/>
-              <a:t>25.04.2022</a:t>
+              <a:t>26.04.2022</a:t>
             </a:fld>
             <a:endParaRPr lang="de-DE"/>
           </a:p>
@@ -8318,7 +8347,7 @@
           <a:p>
             <a:fld id="{3CC9CAF6-6A02-42B9-84CB-1B93AE3AA54A}" type="datetimeFigureOut">
               <a:rPr lang="de-DE" smtClean="0"/>
-              <a:t>25.04.2022</a:t>
+              <a:t>26.04.2022</a:t>
             </a:fld>
             <a:endParaRPr lang="de-DE"/>
           </a:p>
@@ -8413,7 +8442,7 @@
           <a:p>
             <a:fld id="{3CC9CAF6-6A02-42B9-84CB-1B93AE3AA54A}" type="datetimeFigureOut">
               <a:rPr lang="de-DE" smtClean="0"/>
-              <a:t>25.04.2022</a:t>
+              <a:t>26.04.2022</a:t>
             </a:fld>
             <a:endParaRPr lang="de-DE"/>
           </a:p>
@@ -8662,7 +8691,7 @@
           <a:p>
             <a:fld id="{3CC9CAF6-6A02-42B9-84CB-1B93AE3AA54A}" type="datetimeFigureOut">
               <a:rPr lang="de-DE" smtClean="0"/>
-              <a:t>25.04.2022</a:t>
+              <a:t>26.04.2022</a:t>
             </a:fld>
             <a:endParaRPr lang="de-DE"/>
           </a:p>
@@ -8942,7 +8971,7 @@
           <a:p>
             <a:fld id="{3CC9CAF6-6A02-42B9-84CB-1B93AE3AA54A}" type="datetimeFigureOut">
               <a:rPr lang="de-DE" smtClean="0"/>
-              <a:t>25.04.2022</a:t>
+              <a:t>26.04.2022</a:t>
             </a:fld>
             <a:endParaRPr lang="de-DE"/>
           </a:p>
@@ -9058,7 +9087,7 @@
           <a:noFill/>
           <a:extLst>
             <a:ext uri="{909E8E84-426E-40dd-AFC4-6F175D3DCCD1}">
-              <a14:hiddenFill xmlns:a14="http://schemas.microsoft.com/office/drawing/2010/main" xmlns="">
+              <a14:hiddenFill xmlns="" xmlns:a14="http://schemas.microsoft.com/office/drawing/2010/main">
                 <a:solidFill>
                   <a:srgbClr val="FFFFFF"/>
                 </a:solidFill>
@@ -9132,7 +9161,7 @@
               </a:ln>
               <a:extLst>
                 <a:ext uri="{91240B29-F687-4f45-9708-019B960494DF}">
-                  <a14:hiddenLine xmlns:a14="http://schemas.microsoft.com/office/drawing/2010/main" xmlns="" w="9525">
+                  <a14:hiddenLine xmlns="" xmlns:a14="http://schemas.microsoft.com/office/drawing/2010/main" w="9525">
                     <a:solidFill>
                       <a:srgbClr val="000000"/>
                     </a:solidFill>
@@ -9222,7 +9251,7 @@
               </a:ln>
               <a:extLst>
                 <a:ext uri="{91240B29-F687-4f45-9708-019B960494DF}">
-                  <a14:hiddenLine xmlns:a14="http://schemas.microsoft.com/office/drawing/2010/main" xmlns="" w="9525">
+                  <a14:hiddenLine xmlns="" xmlns:a14="http://schemas.microsoft.com/office/drawing/2010/main" w="9525">
                     <a:solidFill>
                       <a:srgbClr val="000000"/>
                     </a:solidFill>
@@ -9312,7 +9341,7 @@
               </a:ln>
               <a:extLst>
                 <a:ext uri="{91240B29-F687-4f45-9708-019B960494DF}">
-                  <a14:hiddenLine xmlns:a14="http://schemas.microsoft.com/office/drawing/2010/main" xmlns="" w="9525">
+                  <a14:hiddenLine xmlns="" xmlns:a14="http://schemas.microsoft.com/office/drawing/2010/main" w="9525">
                     <a:solidFill>
                       <a:srgbClr val="000000"/>
                     </a:solidFill>
@@ -9374,7 +9403,7 @@
               </a:ln>
               <a:extLst>
                 <a:ext uri="{91240B29-F687-4f45-9708-019B960494DF}">
-                  <a14:hiddenLine xmlns:a14="http://schemas.microsoft.com/office/drawing/2010/main" xmlns="" w="9525">
+                  <a14:hiddenLine xmlns="" xmlns:a14="http://schemas.microsoft.com/office/drawing/2010/main" w="9525">
                     <a:solidFill>
                       <a:srgbClr val="000000"/>
                     </a:solidFill>
@@ -9464,7 +9493,7 @@
               </a:ln>
               <a:extLst>
                 <a:ext uri="{91240B29-F687-4f45-9708-019B960494DF}">
-                  <a14:hiddenLine xmlns:a14="http://schemas.microsoft.com/office/drawing/2010/main" xmlns="" w="9525">
+                  <a14:hiddenLine xmlns="" xmlns:a14="http://schemas.microsoft.com/office/drawing/2010/main" w="9525">
                     <a:solidFill>
                       <a:srgbClr val="000000"/>
                     </a:solidFill>
@@ -9526,7 +9555,7 @@
               </a:ln>
               <a:extLst>
                 <a:ext uri="{91240B29-F687-4f45-9708-019B960494DF}">
-                  <a14:hiddenLine xmlns:a14="http://schemas.microsoft.com/office/drawing/2010/main" xmlns="" w="9525">
+                  <a14:hiddenLine xmlns="" xmlns:a14="http://schemas.microsoft.com/office/drawing/2010/main" w="9525">
                     <a:solidFill>
                       <a:srgbClr val="000000"/>
                     </a:solidFill>
@@ -9588,7 +9617,7 @@
               </a:ln>
               <a:extLst>
                 <a:ext uri="{91240B29-F687-4f45-9708-019B960494DF}">
-                  <a14:hiddenLine xmlns:a14="http://schemas.microsoft.com/office/drawing/2010/main" xmlns="" w="9525">
+                  <a14:hiddenLine xmlns="" xmlns:a14="http://schemas.microsoft.com/office/drawing/2010/main" w="9525">
                     <a:solidFill>
                       <a:srgbClr val="000000"/>
                     </a:solidFill>
@@ -9678,7 +9707,7 @@
               </a:ln>
               <a:extLst>
                 <a:ext uri="{91240B29-F687-4f45-9708-019B960494DF}">
-                  <a14:hiddenLine xmlns:a14="http://schemas.microsoft.com/office/drawing/2010/main" xmlns="" w="9525">
+                  <a14:hiddenLine xmlns="" xmlns:a14="http://schemas.microsoft.com/office/drawing/2010/main" w="9525">
                     <a:solidFill>
                       <a:srgbClr val="000000"/>
                     </a:solidFill>
@@ -9768,7 +9797,7 @@
               </a:ln>
               <a:extLst>
                 <a:ext uri="{91240B29-F687-4f45-9708-019B960494DF}">
-                  <a14:hiddenLine xmlns:a14="http://schemas.microsoft.com/office/drawing/2010/main" xmlns="" w="9525">
+                  <a14:hiddenLine xmlns="" xmlns:a14="http://schemas.microsoft.com/office/drawing/2010/main" w="9525">
                     <a:solidFill>
                       <a:srgbClr val="000000"/>
                     </a:solidFill>
@@ -9830,7 +9859,7 @@
               </a:ln>
               <a:extLst>
                 <a:ext uri="{91240B29-F687-4f45-9708-019B960494DF}">
-                  <a14:hiddenLine xmlns:a14="http://schemas.microsoft.com/office/drawing/2010/main" xmlns="" w="9525">
+                  <a14:hiddenLine xmlns="" xmlns:a14="http://schemas.microsoft.com/office/drawing/2010/main" w="9525">
                     <a:solidFill>
                       <a:srgbClr val="000000"/>
                     </a:solidFill>
@@ -9940,7 +9969,7 @@
               </a:ln>
               <a:extLst>
                 <a:ext uri="{91240B29-F687-4f45-9708-019B960494DF}">
-                  <a14:hiddenLine xmlns:a14="http://schemas.microsoft.com/office/drawing/2010/main" xmlns="" w="9525">
+                  <a14:hiddenLine xmlns="" xmlns:a14="http://schemas.microsoft.com/office/drawing/2010/main" w="9525">
                     <a:solidFill>
                       <a:srgbClr val="000000"/>
                     </a:solidFill>
@@ -10024,7 +10053,7 @@
               </a:ln>
               <a:extLst>
                 <a:ext uri="{91240B29-F687-4f45-9708-019B960494DF}">
-                  <a14:hiddenLine xmlns:a14="http://schemas.microsoft.com/office/drawing/2010/main" xmlns="" w="9525">
+                  <a14:hiddenLine xmlns="" xmlns:a14="http://schemas.microsoft.com/office/drawing/2010/main" w="9525">
                     <a:solidFill>
                       <a:srgbClr val="000000"/>
                     </a:solidFill>
@@ -10086,7 +10115,7 @@
               </a:ln>
               <a:extLst>
                 <a:ext uri="{91240B29-F687-4f45-9708-019B960494DF}">
-                  <a14:hiddenLine xmlns:a14="http://schemas.microsoft.com/office/drawing/2010/main" xmlns="" w="9525">
+                  <a14:hiddenLine xmlns="" xmlns:a14="http://schemas.microsoft.com/office/drawing/2010/main" w="9525">
                     <a:solidFill>
                       <a:srgbClr val="000000"/>
                     </a:solidFill>
@@ -10148,7 +10177,7 @@
               </a:ln>
               <a:extLst>
                 <a:ext uri="{91240B29-F687-4f45-9708-019B960494DF}">
-                  <a14:hiddenLine xmlns:a14="http://schemas.microsoft.com/office/drawing/2010/main" xmlns="" w="9525">
+                  <a14:hiddenLine xmlns="" xmlns:a14="http://schemas.microsoft.com/office/drawing/2010/main" w="9525">
                     <a:solidFill>
                       <a:srgbClr val="000000"/>
                     </a:solidFill>
@@ -10238,7 +10267,7 @@
               </a:ln>
               <a:extLst>
                 <a:ext uri="{91240B29-F687-4f45-9708-019B960494DF}">
-                  <a14:hiddenLine xmlns:a14="http://schemas.microsoft.com/office/drawing/2010/main" xmlns="" w="9525">
+                  <a14:hiddenLine xmlns="" xmlns:a14="http://schemas.microsoft.com/office/drawing/2010/main" w="9525">
                     <a:solidFill>
                       <a:srgbClr val="000000"/>
                     </a:solidFill>
@@ -10272,7 +10301,7 @@
               </a:ln>
               <a:extLst>
                 <a:ext uri="{91240B29-F687-4f45-9708-019B960494DF}">
-                  <a14:hiddenLine xmlns:a14="http://schemas.microsoft.com/office/drawing/2010/main" xmlns="" w="9525">
+                  <a14:hiddenLine xmlns="" xmlns:a14="http://schemas.microsoft.com/office/drawing/2010/main" w="9525">
                     <a:solidFill>
                       <a:srgbClr val="000000"/>
                     </a:solidFill>
@@ -10337,7 +10366,7 @@
               </a:ln>
               <a:extLst>
                 <a:ext uri="{91240B29-F687-4f45-9708-019B960494DF}">
-                  <a14:hiddenLine xmlns:a14="http://schemas.microsoft.com/office/drawing/2010/main" xmlns="" w="9525">
+                  <a14:hiddenLine xmlns="" xmlns:a14="http://schemas.microsoft.com/office/drawing/2010/main" w="9525">
                     <a:solidFill>
                       <a:srgbClr val="000000"/>
                     </a:solidFill>
@@ -10427,7 +10456,7 @@
               </a:ln>
               <a:extLst>
                 <a:ext uri="{91240B29-F687-4f45-9708-019B960494DF}">
-                  <a14:hiddenLine xmlns:a14="http://schemas.microsoft.com/office/drawing/2010/main" xmlns="" w="9525">
+                  <a14:hiddenLine xmlns="" xmlns:a14="http://schemas.microsoft.com/office/drawing/2010/main" w="9525">
                     <a:solidFill>
                       <a:srgbClr val="000000"/>
                     </a:solidFill>
@@ -10489,7 +10518,7 @@
               </a:ln>
               <a:extLst>
                 <a:ext uri="{91240B29-F687-4f45-9708-019B960494DF}">
-                  <a14:hiddenLine xmlns:a14="http://schemas.microsoft.com/office/drawing/2010/main" xmlns="" w="9525">
+                  <a14:hiddenLine xmlns="" xmlns:a14="http://schemas.microsoft.com/office/drawing/2010/main" w="9525">
                     <a:solidFill>
                       <a:srgbClr val="000000"/>
                     </a:solidFill>
@@ -10579,7 +10608,7 @@
               </a:ln>
               <a:extLst>
                 <a:ext uri="{91240B29-F687-4f45-9708-019B960494DF}">
-                  <a14:hiddenLine xmlns:a14="http://schemas.microsoft.com/office/drawing/2010/main" xmlns="" w="9525">
+                  <a14:hiddenLine xmlns="" xmlns:a14="http://schemas.microsoft.com/office/drawing/2010/main" w="9525">
                     <a:solidFill>
                       <a:srgbClr val="000000"/>
                     </a:solidFill>
@@ -10644,7 +10673,7 @@
               </a:ln>
               <a:extLst>
                 <a:ext uri="{91240B29-F687-4f45-9708-019B960494DF}">
-                  <a14:hiddenLine xmlns:a14="http://schemas.microsoft.com/office/drawing/2010/main" xmlns="" w="9525">
+                  <a14:hiddenLine xmlns="" xmlns:a14="http://schemas.microsoft.com/office/drawing/2010/main" w="9525">
                     <a:solidFill>
                       <a:srgbClr val="000000"/>
                     </a:solidFill>
@@ -10706,7 +10735,7 @@
               </a:ln>
               <a:extLst>
                 <a:ext uri="{91240B29-F687-4f45-9708-019B960494DF}">
-                  <a14:hiddenLine xmlns:a14="http://schemas.microsoft.com/office/drawing/2010/main" xmlns="" w="9525">
+                  <a14:hiddenLine xmlns="" xmlns:a14="http://schemas.microsoft.com/office/drawing/2010/main" w="9525">
                     <a:solidFill>
                       <a:srgbClr val="000000"/>
                     </a:solidFill>
@@ -10796,7 +10825,7 @@
               </a:ln>
               <a:extLst>
                 <a:ext uri="{91240B29-F687-4f45-9708-019B960494DF}">
-                  <a14:hiddenLine xmlns:a14="http://schemas.microsoft.com/office/drawing/2010/main" xmlns="" w="9525">
+                  <a14:hiddenLine xmlns="" xmlns:a14="http://schemas.microsoft.com/office/drawing/2010/main" w="9525">
                     <a:solidFill>
                       <a:srgbClr val="000000"/>
                     </a:solidFill>
@@ -10886,7 +10915,7 @@
               </a:ln>
               <a:extLst>
                 <a:ext uri="{91240B29-F687-4f45-9708-019B960494DF}">
-                  <a14:hiddenLine xmlns:a14="http://schemas.microsoft.com/office/drawing/2010/main" xmlns="" w="9525">
+                  <a14:hiddenLine xmlns="" xmlns:a14="http://schemas.microsoft.com/office/drawing/2010/main" w="9525">
                     <a:solidFill>
                       <a:srgbClr val="000000"/>
                     </a:solidFill>
@@ -10951,7 +10980,7 @@
               </a:ln>
               <a:extLst>
                 <a:ext uri="{91240B29-F687-4f45-9708-019B960494DF}">
-                  <a14:hiddenLine xmlns:a14="http://schemas.microsoft.com/office/drawing/2010/main" xmlns="" w="9525">
+                  <a14:hiddenLine xmlns="" xmlns:a14="http://schemas.microsoft.com/office/drawing/2010/main" w="9525">
                     <a:solidFill>
                       <a:srgbClr val="000000"/>
                     </a:solidFill>
@@ -11071,7 +11100,7 @@
               </a:ln>
               <a:extLst>
                 <a:ext uri="{91240B29-F687-4f45-9708-019B960494DF}">
-                  <a14:hiddenLine xmlns:a14="http://schemas.microsoft.com/office/drawing/2010/main" xmlns="" w="9525">
+                  <a14:hiddenLine xmlns="" xmlns:a14="http://schemas.microsoft.com/office/drawing/2010/main" w="9525">
                     <a:solidFill>
                       <a:srgbClr val="000000"/>
                     </a:solidFill>
@@ -11169,7 +11198,7 @@
               </a:ln>
               <a:extLst>
                 <a:ext uri="{91240B29-F687-4f45-9708-019B960494DF}">
-                  <a14:hiddenLine xmlns:a14="http://schemas.microsoft.com/office/drawing/2010/main" xmlns="" w="9525">
+                  <a14:hiddenLine xmlns="" xmlns:a14="http://schemas.microsoft.com/office/drawing/2010/main" w="9525">
                     <a:solidFill>
                       <a:srgbClr val="000000"/>
                     </a:solidFill>
@@ -11284,7 +11313,7 @@
               </a:ln>
               <a:extLst>
                 <a:ext uri="{91240B29-F687-4f45-9708-019B960494DF}">
-                  <a14:hiddenLine xmlns:a14="http://schemas.microsoft.com/office/drawing/2010/main" xmlns="" w="9525">
+                  <a14:hiddenLine xmlns="" xmlns:a14="http://schemas.microsoft.com/office/drawing/2010/main" w="9525">
                     <a:solidFill>
                       <a:srgbClr val="000000"/>
                     </a:solidFill>
@@ -11374,7 +11403,7 @@
               </a:ln>
               <a:extLst>
                 <a:ext uri="{91240B29-F687-4f45-9708-019B960494DF}">
-                  <a14:hiddenLine xmlns:a14="http://schemas.microsoft.com/office/drawing/2010/main" xmlns="" w="9525">
+                  <a14:hiddenLine xmlns="" xmlns:a14="http://schemas.microsoft.com/office/drawing/2010/main" w="9525">
                     <a:solidFill>
                       <a:srgbClr val="000000"/>
                     </a:solidFill>
@@ -11439,7 +11468,7 @@
               </a:ln>
               <a:extLst>
                 <a:ext uri="{91240B29-F687-4f45-9708-019B960494DF}">
-                  <a14:hiddenLine xmlns:a14="http://schemas.microsoft.com/office/drawing/2010/main" xmlns="" w="9525">
+                  <a14:hiddenLine xmlns="" xmlns:a14="http://schemas.microsoft.com/office/drawing/2010/main" w="9525">
                     <a:solidFill>
                       <a:srgbClr val="000000"/>
                     </a:solidFill>
@@ -11529,7 +11558,7 @@
               </a:ln>
               <a:extLst>
                 <a:ext uri="{91240B29-F687-4f45-9708-019B960494DF}">
-                  <a14:hiddenLine xmlns:a14="http://schemas.microsoft.com/office/drawing/2010/main" xmlns="" w="9525">
+                  <a14:hiddenLine xmlns="" xmlns:a14="http://schemas.microsoft.com/office/drawing/2010/main" w="9525">
                     <a:solidFill>
                       <a:srgbClr val="000000"/>
                     </a:solidFill>
@@ -11597,7 +11626,7 @@
               </a:ln>
               <a:extLst>
                 <a:ext uri="{91240B29-F687-4f45-9708-019B960494DF}">
-                  <a14:hiddenLine xmlns:a14="http://schemas.microsoft.com/office/drawing/2010/main" xmlns="" w="9525">
+                  <a14:hiddenLine xmlns="" xmlns:a14="http://schemas.microsoft.com/office/drawing/2010/main" w="9525">
                     <a:solidFill>
                       <a:srgbClr val="000000"/>
                     </a:solidFill>
@@ -11687,7 +11716,7 @@
               </a:ln>
               <a:extLst>
                 <a:ext uri="{91240B29-F687-4f45-9708-019B960494DF}">
-                  <a14:hiddenLine xmlns:a14="http://schemas.microsoft.com/office/drawing/2010/main" xmlns="" w="9525">
+                  <a14:hiddenLine xmlns="" xmlns:a14="http://schemas.microsoft.com/office/drawing/2010/main" w="9525">
                     <a:solidFill>
                       <a:srgbClr val="000000"/>
                     </a:solidFill>
@@ -11755,7 +11784,7 @@
               </a:ln>
               <a:extLst>
                 <a:ext uri="{91240B29-F687-4f45-9708-019B960494DF}">
-                  <a14:hiddenLine xmlns:a14="http://schemas.microsoft.com/office/drawing/2010/main" xmlns="" w="9525">
+                  <a14:hiddenLine xmlns="" xmlns:a14="http://schemas.microsoft.com/office/drawing/2010/main" w="9525">
                     <a:solidFill>
                       <a:srgbClr val="000000"/>
                     </a:solidFill>
@@ -11845,7 +11874,7 @@
               </a:ln>
               <a:extLst>
                 <a:ext uri="{91240B29-F687-4f45-9708-019B960494DF}">
-                  <a14:hiddenLine xmlns:a14="http://schemas.microsoft.com/office/drawing/2010/main" xmlns="" w="9525">
+                  <a14:hiddenLine xmlns="" xmlns:a14="http://schemas.microsoft.com/office/drawing/2010/main" w="9525">
                     <a:solidFill>
                       <a:srgbClr val="000000"/>
                     </a:solidFill>
@@ -11879,7 +11908,7 @@
               </a:ln>
               <a:extLst>
                 <a:ext uri="{91240B29-F687-4f45-9708-019B960494DF}">
-                  <a14:hiddenLine xmlns:a14="http://schemas.microsoft.com/office/drawing/2010/main" xmlns="" w="9525">
+                  <a14:hiddenLine xmlns="" xmlns:a14="http://schemas.microsoft.com/office/drawing/2010/main" w="9525">
                     <a:solidFill>
                       <a:srgbClr val="000000"/>
                     </a:solidFill>
@@ -12019,7 +12048,7 @@
           <a:p>
             <a:fld id="{3CC9CAF6-6A02-42B9-84CB-1B93AE3AA54A}" type="datetimeFigureOut">
               <a:rPr lang="de-DE" smtClean="0"/>
-              <a:t>25.04.2022</a:t>
+              <a:t>26.04.2022</a:t>
             </a:fld>
             <a:endParaRPr lang="de-DE"/>
           </a:p>
@@ -12770,6 +12799,11 @@
               <a:rPr lang="de-DE" dirty="0"/>
               <a:t>Zeitplan &amp; Umsetzung</a:t>
             </a:r>
+            <a:r>
+              <a:rPr lang="de-DE"/>
+              <a:t>/Meilensteine</a:t>
+            </a:r>
+            <a:endParaRPr lang="de-DE" dirty="0"/>
           </a:p>
         </p:txBody>
       </p:sp>
